--- a/week-2-sql/sql.pptx
+++ b/week-2-sql/sql.pptx
@@ -4,6 +4,9 @@
   <p:sldMasterIdLst>
     <p:sldMasterId id="2147483648" r:id="rId1"/>
   </p:sldMasterIdLst>
+  <p:notesMasterIdLst>
+    <p:notesMasterId r:id="rId34"/>
+  </p:notesMasterIdLst>
   <p:sldIdLst>
     <p:sldId id="261" r:id="rId2"/>
     <p:sldId id="290" r:id="rId3"/>
@@ -34,10 +37,9 @@
     <p:sldId id="286" r:id="rId28"/>
     <p:sldId id="288" r:id="rId29"/>
     <p:sldId id="289" r:id="rId30"/>
-    <p:sldId id="292" r:id="rId31"/>
-    <p:sldId id="295" r:id="rId32"/>
-    <p:sldId id="296" r:id="rId33"/>
-    <p:sldId id="294" r:id="rId34"/>
+    <p:sldId id="295" r:id="rId31"/>
+    <p:sldId id="296" r:id="rId32"/>
+    <p:sldId id="294" r:id="rId33"/>
   </p:sldIdLst>
   <p:sldSz cx="12192000" cy="6858000"/>
   <p:notesSz cx="6858000" cy="9144000"/>
@@ -140,6 +142,9 @@
     <p:ext uri="{EFAFB233-063F-42B5-8137-9DF3F51BA10A}">
       <p15:sldGuideLst xmlns:p15="http://schemas.microsoft.com/office/powerpoint/2012/main"/>
     </p:ext>
+    <p:ext uri="{2D200454-40CA-4A62-9FC3-DE9A4176ACB9}">
+      <p15:notesGuideLst xmlns:p15="http://schemas.microsoft.com/office/powerpoint/2012/main"/>
+    </p:ext>
   </p:extLst>
 </p:presentation>
 </file>
@@ -220,6 +225,439 @@
 </p:cmLst>
 </file>
 
+<file path=ppt/notesMasters/notesMaster1.xml><?xml version="1.0" encoding="utf-8"?>
+<p:notesMaster xmlns:a="http://schemas.openxmlformats.org/drawingml/2006/main" xmlns:r="http://schemas.openxmlformats.org/officeDocument/2006/relationships" xmlns:p="http://schemas.openxmlformats.org/presentationml/2006/main">
+  <p:cSld>
+    <p:bg>
+      <p:bgRef idx="1001">
+        <a:schemeClr val="bg1"/>
+      </p:bgRef>
+    </p:bg>
+    <p:spTree>
+      <p:nvGrpSpPr>
+        <p:cNvPr id="1" name=""/>
+        <p:cNvGrpSpPr/>
+        <p:nvPr/>
+      </p:nvGrpSpPr>
+      <p:grpSpPr>
+        <a:xfrm>
+          <a:off x="0" y="0"/>
+          <a:ext cx="0" cy="0"/>
+          <a:chOff x="0" y="0"/>
+          <a:chExt cx="0" cy="0"/>
+        </a:xfrm>
+      </p:grpSpPr>
+      <p:sp>
+        <p:nvSpPr>
+          <p:cNvPr id="2" name="Header Placeholder 1"/>
+          <p:cNvSpPr>
+            <a:spLocks noGrp="1"/>
+          </p:cNvSpPr>
+          <p:nvPr>
+            <p:ph type="hdr" sz="quarter"/>
+          </p:nvPr>
+        </p:nvSpPr>
+        <p:spPr>
+          <a:xfrm>
+            <a:off x="0" y="0"/>
+            <a:ext cx="2971800" cy="458788"/>
+          </a:xfrm>
+          <a:prstGeom prst="rect">
+            <a:avLst/>
+          </a:prstGeom>
+        </p:spPr>
+        <p:txBody>
+          <a:bodyPr vert="horz" lIns="91440" tIns="45720" rIns="91440" bIns="45720" rtlCol="0"/>
+          <a:lstStyle>
+            <a:lvl1pPr algn="l">
+              <a:defRPr sz="1200"/>
+            </a:lvl1pPr>
+          </a:lstStyle>
+          <a:p>
+            <a:endParaRPr lang="en-US"/>
+          </a:p>
+        </p:txBody>
+      </p:sp>
+      <p:sp>
+        <p:nvSpPr>
+          <p:cNvPr id="3" name="Date Placeholder 2"/>
+          <p:cNvSpPr>
+            <a:spLocks noGrp="1"/>
+          </p:cNvSpPr>
+          <p:nvPr>
+            <p:ph type="dt" idx="1"/>
+          </p:nvPr>
+        </p:nvSpPr>
+        <p:spPr>
+          <a:xfrm>
+            <a:off x="3884613" y="0"/>
+            <a:ext cx="2971800" cy="458788"/>
+          </a:xfrm>
+          <a:prstGeom prst="rect">
+            <a:avLst/>
+          </a:prstGeom>
+        </p:spPr>
+        <p:txBody>
+          <a:bodyPr vert="horz" lIns="91440" tIns="45720" rIns="91440" bIns="45720" rtlCol="0"/>
+          <a:lstStyle>
+            <a:lvl1pPr algn="r">
+              <a:defRPr sz="1200"/>
+            </a:lvl1pPr>
+          </a:lstStyle>
+          <a:p>
+            <a:fld id="{403AA948-B266-4642-840D-7453241ED0ED}" type="datetimeFigureOut">
+              <a:rPr lang="en-US" smtClean="0"/>
+              <a:t>3/4/2021</a:t>
+            </a:fld>
+            <a:endParaRPr lang="en-US"/>
+          </a:p>
+        </p:txBody>
+      </p:sp>
+      <p:sp>
+        <p:nvSpPr>
+          <p:cNvPr id="4" name="Slide Image Placeholder 3"/>
+          <p:cNvSpPr>
+            <a:spLocks noGrp="1" noRot="1" noChangeAspect="1"/>
+          </p:cNvSpPr>
+          <p:nvPr>
+            <p:ph type="sldImg" idx="2"/>
+          </p:nvPr>
+        </p:nvSpPr>
+        <p:spPr>
+          <a:xfrm>
+            <a:off x="685800" y="1143000"/>
+            <a:ext cx="5486400" cy="3086100"/>
+          </a:xfrm>
+          <a:prstGeom prst="rect">
+            <a:avLst/>
+          </a:prstGeom>
+          <a:noFill/>
+          <a:ln w="12700">
+            <a:solidFill>
+              <a:prstClr val="black"/>
+            </a:solidFill>
+          </a:ln>
+        </p:spPr>
+        <p:txBody>
+          <a:bodyPr vert="horz" lIns="91440" tIns="45720" rIns="91440" bIns="45720" rtlCol="0" anchor="ctr"/>
+          <a:lstStyle/>
+          <a:p>
+            <a:endParaRPr lang="en-US"/>
+          </a:p>
+        </p:txBody>
+      </p:sp>
+      <p:sp>
+        <p:nvSpPr>
+          <p:cNvPr id="5" name="Notes Placeholder 4"/>
+          <p:cNvSpPr>
+            <a:spLocks noGrp="1"/>
+          </p:cNvSpPr>
+          <p:nvPr>
+            <p:ph type="body" sz="quarter" idx="3"/>
+          </p:nvPr>
+        </p:nvSpPr>
+        <p:spPr>
+          <a:xfrm>
+            <a:off x="685800" y="4400550"/>
+            <a:ext cx="5486400" cy="3600450"/>
+          </a:xfrm>
+          <a:prstGeom prst="rect">
+            <a:avLst/>
+          </a:prstGeom>
+        </p:spPr>
+        <p:txBody>
+          <a:bodyPr vert="horz" lIns="91440" tIns="45720" rIns="91440" bIns="45720" rtlCol="0"/>
+          <a:lstStyle/>
+          <a:p>
+            <a:pPr lvl="0"/>
+            <a:r>
+              <a:rPr lang="en-US"/>
+              <a:t>Click to edit Master text styles</a:t>
+            </a:r>
+          </a:p>
+          <a:p>
+            <a:pPr lvl="1"/>
+            <a:r>
+              <a:rPr lang="en-US"/>
+              <a:t>Second level</a:t>
+            </a:r>
+          </a:p>
+          <a:p>
+            <a:pPr lvl="2"/>
+            <a:r>
+              <a:rPr lang="en-US"/>
+              <a:t>Third level</a:t>
+            </a:r>
+          </a:p>
+          <a:p>
+            <a:pPr lvl="3"/>
+            <a:r>
+              <a:rPr lang="en-US"/>
+              <a:t>Fourth level</a:t>
+            </a:r>
+          </a:p>
+          <a:p>
+            <a:pPr lvl="4"/>
+            <a:r>
+              <a:rPr lang="en-US"/>
+              <a:t>Fifth level</a:t>
+            </a:r>
+          </a:p>
+        </p:txBody>
+      </p:sp>
+      <p:sp>
+        <p:nvSpPr>
+          <p:cNvPr id="6" name="Footer Placeholder 5"/>
+          <p:cNvSpPr>
+            <a:spLocks noGrp="1"/>
+          </p:cNvSpPr>
+          <p:nvPr>
+            <p:ph type="ftr" sz="quarter" idx="4"/>
+          </p:nvPr>
+        </p:nvSpPr>
+        <p:spPr>
+          <a:xfrm>
+            <a:off x="0" y="8685213"/>
+            <a:ext cx="2971800" cy="458787"/>
+          </a:xfrm>
+          <a:prstGeom prst="rect">
+            <a:avLst/>
+          </a:prstGeom>
+        </p:spPr>
+        <p:txBody>
+          <a:bodyPr vert="horz" lIns="91440" tIns="45720" rIns="91440" bIns="45720" rtlCol="0" anchor="b"/>
+          <a:lstStyle>
+            <a:lvl1pPr algn="l">
+              <a:defRPr sz="1200"/>
+            </a:lvl1pPr>
+          </a:lstStyle>
+          <a:p>
+            <a:endParaRPr lang="en-US"/>
+          </a:p>
+        </p:txBody>
+      </p:sp>
+      <p:sp>
+        <p:nvSpPr>
+          <p:cNvPr id="7" name="Slide Number Placeholder 6"/>
+          <p:cNvSpPr>
+            <a:spLocks noGrp="1"/>
+          </p:cNvSpPr>
+          <p:nvPr>
+            <p:ph type="sldNum" sz="quarter" idx="5"/>
+          </p:nvPr>
+        </p:nvSpPr>
+        <p:spPr>
+          <a:xfrm>
+            <a:off x="3884613" y="8685213"/>
+            <a:ext cx="2971800" cy="458787"/>
+          </a:xfrm>
+          <a:prstGeom prst="rect">
+            <a:avLst/>
+          </a:prstGeom>
+        </p:spPr>
+        <p:txBody>
+          <a:bodyPr vert="horz" lIns="91440" tIns="45720" rIns="91440" bIns="45720" rtlCol="0" anchor="b"/>
+          <a:lstStyle>
+            <a:lvl1pPr algn="r">
+              <a:defRPr sz="1200"/>
+            </a:lvl1pPr>
+          </a:lstStyle>
+          <a:p>
+            <a:fld id="{89D7AE0F-0D2A-45F3-B9C5-EA6B3D7F7A19}" type="slidenum">
+              <a:rPr lang="en-US" smtClean="0"/>
+              <a:t>‹#›</a:t>
+            </a:fld>
+            <a:endParaRPr lang="en-US"/>
+          </a:p>
+        </p:txBody>
+      </p:sp>
+    </p:spTree>
+    <p:extLst>
+      <p:ext uri="{BB962C8B-B14F-4D97-AF65-F5344CB8AC3E}">
+        <p14:creationId xmlns:p14="http://schemas.microsoft.com/office/powerpoint/2010/main" val="2598686058"/>
+      </p:ext>
+    </p:extLst>
+  </p:cSld>
+  <p:clrMap bg1="lt1" tx1="dk1" bg2="lt2" tx2="dk2" accent1="accent1" accent2="accent2" accent3="accent3" accent4="accent4" accent5="accent5" accent6="accent6" hlink="hlink" folHlink="folHlink"/>
+  <p:notesStyle>
+    <a:lvl1pPr marL="0" algn="l" defTabSz="914400" rtl="0" eaLnBrk="1" latinLnBrk="0" hangingPunct="1">
+      <a:defRPr sz="1200" kern="1200">
+        <a:solidFill>
+          <a:schemeClr val="tx1"/>
+        </a:solidFill>
+        <a:latin typeface="+mn-lt"/>
+        <a:ea typeface="+mn-ea"/>
+        <a:cs typeface="+mn-cs"/>
+      </a:defRPr>
+    </a:lvl1pPr>
+    <a:lvl2pPr marL="457200" algn="l" defTabSz="914400" rtl="0" eaLnBrk="1" latinLnBrk="0" hangingPunct="1">
+      <a:defRPr sz="1200" kern="1200">
+        <a:solidFill>
+          <a:schemeClr val="tx1"/>
+        </a:solidFill>
+        <a:latin typeface="+mn-lt"/>
+        <a:ea typeface="+mn-ea"/>
+        <a:cs typeface="+mn-cs"/>
+      </a:defRPr>
+    </a:lvl2pPr>
+    <a:lvl3pPr marL="914400" algn="l" defTabSz="914400" rtl="0" eaLnBrk="1" latinLnBrk="0" hangingPunct="1">
+      <a:defRPr sz="1200" kern="1200">
+        <a:solidFill>
+          <a:schemeClr val="tx1"/>
+        </a:solidFill>
+        <a:latin typeface="+mn-lt"/>
+        <a:ea typeface="+mn-ea"/>
+        <a:cs typeface="+mn-cs"/>
+      </a:defRPr>
+    </a:lvl3pPr>
+    <a:lvl4pPr marL="1371600" algn="l" defTabSz="914400" rtl="0" eaLnBrk="1" latinLnBrk="0" hangingPunct="1">
+      <a:defRPr sz="1200" kern="1200">
+        <a:solidFill>
+          <a:schemeClr val="tx1"/>
+        </a:solidFill>
+        <a:latin typeface="+mn-lt"/>
+        <a:ea typeface="+mn-ea"/>
+        <a:cs typeface="+mn-cs"/>
+      </a:defRPr>
+    </a:lvl4pPr>
+    <a:lvl5pPr marL="1828800" algn="l" defTabSz="914400" rtl="0" eaLnBrk="1" latinLnBrk="0" hangingPunct="1">
+      <a:defRPr sz="1200" kern="1200">
+        <a:solidFill>
+          <a:schemeClr val="tx1"/>
+        </a:solidFill>
+        <a:latin typeface="+mn-lt"/>
+        <a:ea typeface="+mn-ea"/>
+        <a:cs typeface="+mn-cs"/>
+      </a:defRPr>
+    </a:lvl5pPr>
+    <a:lvl6pPr marL="2286000" algn="l" defTabSz="914400" rtl="0" eaLnBrk="1" latinLnBrk="0" hangingPunct="1">
+      <a:defRPr sz="1200" kern="1200">
+        <a:solidFill>
+          <a:schemeClr val="tx1"/>
+        </a:solidFill>
+        <a:latin typeface="+mn-lt"/>
+        <a:ea typeface="+mn-ea"/>
+        <a:cs typeface="+mn-cs"/>
+      </a:defRPr>
+    </a:lvl6pPr>
+    <a:lvl7pPr marL="2743200" algn="l" defTabSz="914400" rtl="0" eaLnBrk="1" latinLnBrk="0" hangingPunct="1">
+      <a:defRPr sz="1200" kern="1200">
+        <a:solidFill>
+          <a:schemeClr val="tx1"/>
+        </a:solidFill>
+        <a:latin typeface="+mn-lt"/>
+        <a:ea typeface="+mn-ea"/>
+        <a:cs typeface="+mn-cs"/>
+      </a:defRPr>
+    </a:lvl7pPr>
+    <a:lvl8pPr marL="3200400" algn="l" defTabSz="914400" rtl="0" eaLnBrk="1" latinLnBrk="0" hangingPunct="1">
+      <a:defRPr sz="1200" kern="1200">
+        <a:solidFill>
+          <a:schemeClr val="tx1"/>
+        </a:solidFill>
+        <a:latin typeface="+mn-lt"/>
+        <a:ea typeface="+mn-ea"/>
+        <a:cs typeface="+mn-cs"/>
+      </a:defRPr>
+    </a:lvl8pPr>
+    <a:lvl9pPr marL="3657600" algn="l" defTabSz="914400" rtl="0" eaLnBrk="1" latinLnBrk="0" hangingPunct="1">
+      <a:defRPr sz="1200" kern="1200">
+        <a:solidFill>
+          <a:schemeClr val="tx1"/>
+        </a:solidFill>
+        <a:latin typeface="+mn-lt"/>
+        <a:ea typeface="+mn-ea"/>
+        <a:cs typeface="+mn-cs"/>
+      </a:defRPr>
+    </a:lvl9pPr>
+  </p:notesStyle>
+</p:notesMaster>
+</file>
+
+<file path=ppt/notesSlides/notesSlide1.xml><?xml version="1.0" encoding="utf-8"?>
+<p:notes xmlns:a="http://schemas.openxmlformats.org/drawingml/2006/main" xmlns:r="http://schemas.openxmlformats.org/officeDocument/2006/relationships" xmlns:p="http://schemas.openxmlformats.org/presentationml/2006/main">
+  <p:cSld>
+    <p:spTree>
+      <p:nvGrpSpPr>
+        <p:cNvPr id="1" name=""/>
+        <p:cNvGrpSpPr/>
+        <p:nvPr/>
+      </p:nvGrpSpPr>
+      <p:grpSpPr>
+        <a:xfrm>
+          <a:off x="0" y="0"/>
+          <a:ext cx="0" cy="0"/>
+          <a:chOff x="0" y="0"/>
+          <a:chExt cx="0" cy="0"/>
+        </a:xfrm>
+      </p:grpSpPr>
+      <p:sp>
+        <p:nvSpPr>
+          <p:cNvPr id="2" name="Slide Image Placeholder 1"/>
+          <p:cNvSpPr>
+            <a:spLocks noGrp="1" noRot="1" noChangeAspect="1"/>
+          </p:cNvSpPr>
+          <p:nvPr>
+            <p:ph type="sldImg"/>
+          </p:nvPr>
+        </p:nvSpPr>
+        <p:spPr/>
+      </p:sp>
+      <p:sp>
+        <p:nvSpPr>
+          <p:cNvPr id="3" name="Notes Placeholder 2"/>
+          <p:cNvSpPr>
+            <a:spLocks noGrp="1"/>
+          </p:cNvSpPr>
+          <p:nvPr>
+            <p:ph type="body" idx="1"/>
+          </p:nvPr>
+        </p:nvSpPr>
+        <p:spPr/>
+        <p:txBody>
+          <a:bodyPr/>
+          <a:lstStyle/>
+          <a:p>
+            <a:endParaRPr lang="en-US"/>
+          </a:p>
+        </p:txBody>
+      </p:sp>
+      <p:sp>
+        <p:nvSpPr>
+          <p:cNvPr id="4" name="Slide Number Placeholder 3"/>
+          <p:cNvSpPr>
+            <a:spLocks noGrp="1"/>
+          </p:cNvSpPr>
+          <p:nvPr>
+            <p:ph type="sldNum" sz="quarter" idx="5"/>
+          </p:nvPr>
+        </p:nvSpPr>
+        <p:spPr/>
+        <p:txBody>
+          <a:bodyPr/>
+          <a:lstStyle/>
+          <a:p>
+            <a:fld id="{89D7AE0F-0D2A-45F3-B9C5-EA6B3D7F7A19}" type="slidenum">
+              <a:rPr lang="en-US" smtClean="0"/>
+              <a:t>16</a:t>
+            </a:fld>
+            <a:endParaRPr lang="en-US"/>
+          </a:p>
+        </p:txBody>
+      </p:sp>
+    </p:spTree>
+    <p:extLst>
+      <p:ext uri="{BB962C8B-B14F-4D97-AF65-F5344CB8AC3E}">
+        <p14:creationId xmlns:p14="http://schemas.microsoft.com/office/powerpoint/2010/main" val="3557041949"/>
+      </p:ext>
+    </p:extLst>
+  </p:cSld>
+  <p:clrMapOvr>
+    <a:masterClrMapping/>
+  </p:clrMapOvr>
+</p:notes>
+</file>
+
 <file path=ppt/slideLayouts/slideLayout1.xml><?xml version="1.0" encoding="utf-8"?>
 <p:sldLayout xmlns:a="http://schemas.openxmlformats.org/drawingml/2006/main" xmlns:r="http://schemas.openxmlformats.org/officeDocument/2006/relationships" xmlns:p="http://schemas.openxmlformats.org/presentationml/2006/main" type="title" preserve="1">
   <p:cSld name="Title Slide">
@@ -367,7 +805,7 @@
           <a:p>
             <a:fld id="{93044223-B2E0-4C94-A14D-CB1CD72990A5}" type="datetimeFigureOut">
               <a:rPr lang="en-US" smtClean="0"/>
-              <a:t>3/3/2021</a:t>
+              <a:t>3/4/2021</a:t>
             </a:fld>
             <a:endParaRPr lang="en-US"/>
           </a:p>
@@ -565,7 +1003,7 @@
           <a:p>
             <a:fld id="{93044223-B2E0-4C94-A14D-CB1CD72990A5}" type="datetimeFigureOut">
               <a:rPr lang="en-US" smtClean="0"/>
-              <a:t>3/3/2021</a:t>
+              <a:t>3/4/2021</a:t>
             </a:fld>
             <a:endParaRPr lang="en-US"/>
           </a:p>
@@ -773,7 +1211,7 @@
           <a:p>
             <a:fld id="{93044223-B2E0-4C94-A14D-CB1CD72990A5}" type="datetimeFigureOut">
               <a:rPr lang="en-US" smtClean="0"/>
-              <a:t>3/3/2021</a:t>
+              <a:t>3/4/2021</a:t>
             </a:fld>
             <a:endParaRPr lang="en-US"/>
           </a:p>
@@ -971,7 +1409,7 @@
           <a:p>
             <a:fld id="{93044223-B2E0-4C94-A14D-CB1CD72990A5}" type="datetimeFigureOut">
               <a:rPr lang="en-US" smtClean="0"/>
-              <a:t>3/3/2021</a:t>
+              <a:t>3/4/2021</a:t>
             </a:fld>
             <a:endParaRPr lang="en-US"/>
           </a:p>
@@ -1246,7 +1684,7 @@
           <a:p>
             <a:fld id="{93044223-B2E0-4C94-A14D-CB1CD72990A5}" type="datetimeFigureOut">
               <a:rPr lang="en-US" smtClean="0"/>
-              <a:t>3/3/2021</a:t>
+              <a:t>3/4/2021</a:t>
             </a:fld>
             <a:endParaRPr lang="en-US"/>
           </a:p>
@@ -1511,7 +1949,7 @@
           <a:p>
             <a:fld id="{93044223-B2E0-4C94-A14D-CB1CD72990A5}" type="datetimeFigureOut">
               <a:rPr lang="en-US" smtClean="0"/>
-              <a:t>3/3/2021</a:t>
+              <a:t>3/4/2021</a:t>
             </a:fld>
             <a:endParaRPr lang="en-US"/>
           </a:p>
@@ -1923,7 +2361,7 @@
           <a:p>
             <a:fld id="{93044223-B2E0-4C94-A14D-CB1CD72990A5}" type="datetimeFigureOut">
               <a:rPr lang="en-US" smtClean="0"/>
-              <a:t>3/3/2021</a:t>
+              <a:t>3/4/2021</a:t>
             </a:fld>
             <a:endParaRPr lang="en-US"/>
           </a:p>
@@ -2064,7 +2502,7 @@
           <a:p>
             <a:fld id="{93044223-B2E0-4C94-A14D-CB1CD72990A5}" type="datetimeFigureOut">
               <a:rPr lang="en-US" smtClean="0"/>
-              <a:t>3/3/2021</a:t>
+              <a:t>3/4/2021</a:t>
             </a:fld>
             <a:endParaRPr lang="en-US"/>
           </a:p>
@@ -2177,7 +2615,7 @@
           <a:p>
             <a:fld id="{93044223-B2E0-4C94-A14D-CB1CD72990A5}" type="datetimeFigureOut">
               <a:rPr lang="en-US" smtClean="0"/>
-              <a:t>3/3/2021</a:t>
+              <a:t>3/4/2021</a:t>
             </a:fld>
             <a:endParaRPr lang="en-US"/>
           </a:p>
@@ -2488,7 +2926,7 @@
           <a:p>
             <a:fld id="{93044223-B2E0-4C94-A14D-CB1CD72990A5}" type="datetimeFigureOut">
               <a:rPr lang="en-US" smtClean="0"/>
-              <a:t>3/3/2021</a:t>
+              <a:t>3/4/2021</a:t>
             </a:fld>
             <a:endParaRPr lang="en-US"/>
           </a:p>
@@ -2776,7 +3214,7 @@
           <a:p>
             <a:fld id="{93044223-B2E0-4C94-A14D-CB1CD72990A5}" type="datetimeFigureOut">
               <a:rPr lang="en-US" smtClean="0"/>
-              <a:t>3/3/2021</a:t>
+              <a:t>3/4/2021</a:t>
             </a:fld>
             <a:endParaRPr lang="en-US"/>
           </a:p>
@@ -3017,7 +3455,7 @@
           <a:p>
             <a:fld id="{93044223-B2E0-4C94-A14D-CB1CD72990A5}" type="datetimeFigureOut">
               <a:rPr lang="en-US" smtClean="0"/>
-              <a:t>3/3/2021</a:t>
+              <a:t>3/4/2021</a:t>
             </a:fld>
             <a:endParaRPr lang="en-US"/>
           </a:p>
@@ -3548,7 +3986,7 @@
           <p:nvPr>
             <p:extLst>
               <p:ext uri="{D42A27DB-BD31-4B8C-83A1-F6EECF244321}">
-                <p14:modId xmlns:p14="http://schemas.microsoft.com/office/powerpoint/2010/main" val="3381774890"/>
+                <p14:modId xmlns:p14="http://schemas.microsoft.com/office/powerpoint/2010/main" val="944848795"/>
               </p:ext>
             </p:extLst>
           </p:nvPr>
@@ -3810,7 +4248,7 @@
                     <a:p>
                       <a:r>
                         <a:rPr lang="en-US" dirty="0"/>
-                        <a:t>2</a:t>
+                        <a:t>Null</a:t>
                       </a:r>
                     </a:p>
                   </a:txBody>
@@ -4109,14 +4547,14 @@
           <p:nvPr>
             <p:extLst>
               <p:ext uri="{D42A27DB-BD31-4B8C-83A1-F6EECF244321}">
-                <p14:modId xmlns:p14="http://schemas.microsoft.com/office/powerpoint/2010/main" val="1227554037"/>
+                <p14:modId xmlns:p14="http://schemas.microsoft.com/office/powerpoint/2010/main" val="2337178859"/>
               </p:ext>
             </p:extLst>
           </p:nvPr>
         </p:nvGraphicFramePr>
         <p:xfrm>
           <a:off x="8757738" y="1451085"/>
-          <a:ext cx="3353460" cy="1658680"/>
+          <a:ext cx="3353460" cy="1244010"/>
         </p:xfrm>
         <a:graphic>
           <a:graphicData uri="http://schemas.openxmlformats.org/drawingml/2006/table">
@@ -4250,39 +4688,6 @@
                   </a:ext>
                 </a:extLst>
               </a:tr>
-              <a:tr h="414670">
-                <a:tc>
-                  <a:txBody>
-                    <a:bodyPr/>
-                    <a:lstStyle/>
-                    <a:p>
-                      <a:r>
-                        <a:rPr lang="en-US" dirty="0"/>
-                        <a:t>3</a:t>
-                      </a:r>
-                    </a:p>
-                  </a:txBody>
-                  <a:tcPr/>
-                </a:tc>
-                <a:tc>
-                  <a:txBody>
-                    <a:bodyPr/>
-                    <a:lstStyle/>
-                    <a:p>
-                      <a:r>
-                        <a:rPr lang="en-US" dirty="0"/>
-                        <a:t>Matt M</a:t>
-                      </a:r>
-                    </a:p>
-                  </a:txBody>
-                  <a:tcPr/>
-                </a:tc>
-                <a:extLst>
-                  <a:ext uri="{0D108BD9-81ED-4DB2-BD59-A6C34878D82A}">
-                    <a16:rowId xmlns:a16="http://schemas.microsoft.com/office/drawing/2014/main" val="2597423897"/>
-                  </a:ext>
-                </a:extLst>
-              </a:tr>
             </a:tbl>
           </a:graphicData>
         </a:graphic>
@@ -4302,7 +4707,7 @@
           <p:nvPr>
             <p:extLst>
               <p:ext uri="{D42A27DB-BD31-4B8C-83A1-F6EECF244321}">
-                <p14:modId xmlns:p14="http://schemas.microsoft.com/office/powerpoint/2010/main" val="679985982"/>
+                <p14:modId xmlns:p14="http://schemas.microsoft.com/office/powerpoint/2010/main" val="141397635"/>
               </p:ext>
             </p:extLst>
           </p:nvPr>
@@ -4524,7 +4929,7 @@
                     <a:p>
                       <a:r>
                         <a:rPr lang="en-US" dirty="0"/>
-                        <a:t>3</a:t>
+                        <a:t>1</a:t>
                       </a:r>
                     </a:p>
                   </a:txBody>
@@ -5664,11 +6069,7 @@
             </a:r>
             <a:r>
               <a:rPr lang="en-US" sz="2100" b="1" dirty="0"/>
-              <a:t>'</a:t>
-            </a:r>
-            <a:r>
-              <a:rPr lang="en-US" sz="2100" dirty="0"/>
-              <a:t>das968</a:t>
+              <a:t>‘yhr288</a:t>
             </a:r>
             <a:r>
               <a:rPr lang="en-US" sz="2400" b="1" dirty="0"/>
@@ -6162,7 +6563,7 @@
             </a:r>
             <a:r>
               <a:rPr lang="en-US" sz="2900" dirty="0"/>
-              <a:t> in (‘vvt223’,’das968’);</a:t>
+              <a:t> in (‘vvt223’,yhr288’);</a:t>
             </a:r>
           </a:p>
           <a:p>
@@ -7130,7 +7531,7 @@
                   <a:srgbClr val="000000"/>
                 </a:solidFill>
               </a:rPr>
-              <a:t>Examples and some Questions</a:t>
+              <a:t>Query Hands On </a:t>
             </a:r>
           </a:p>
           <a:p>
@@ -7738,7 +8139,12 @@
             <p:ph idx="1"/>
           </p:nvPr>
         </p:nvSpPr>
-        <p:spPr/>
+        <p:spPr>
+          <a:xfrm>
+            <a:off x="838200" y="1275926"/>
+            <a:ext cx="10515600" cy="4351338"/>
+          </a:xfrm>
+        </p:spPr>
         <p:txBody>
           <a:bodyPr>
             <a:normAutofit/>
@@ -7812,35 +8218,669 @@
             <a:pPr marL="0" indent="0">
               <a:buNone/>
             </a:pPr>
+            <a:r>
+              <a:rPr lang="en-US" sz="2000" dirty="0"/>
+              <a:t>																					Result</a:t>
+            </a:r>
+          </a:p>
+          <a:p>
+            <a:pPr marL="0" indent="0">
+              <a:buNone/>
+            </a:pPr>
+            <a:endParaRPr lang="en-US" sz="2000" dirty="0"/>
+          </a:p>
+          <a:p>
+            <a:pPr marL="0" indent="0">
+              <a:buNone/>
+            </a:pPr>
             <a:endParaRPr lang="en-US" sz="2000" b="1" dirty="0"/>
           </a:p>
           <a:p>
             <a:pPr marL="0" indent="0">
               <a:buNone/>
             </a:pPr>
-            <a:r>
-              <a:rPr lang="en-US" sz="2000" b="1" dirty="0"/>
+            <a:endParaRPr lang="en-US" sz="2000" b="1" dirty="0"/>
+          </a:p>
+          <a:p>
+            <a:pPr marL="0" indent="0">
+              <a:buNone/>
+            </a:pPr>
+            <a:endParaRPr lang="en-US" sz="2000" b="1" dirty="0"/>
+          </a:p>
+        </p:txBody>
+      </p:sp>
+      <p:graphicFrame>
+        <p:nvGraphicFramePr>
+          <p:cNvPr id="4" name="Table 4">
+            <a:extLst>
+              <a:ext uri="{FF2B5EF4-FFF2-40B4-BE49-F238E27FC236}">
+                <a16:creationId xmlns:a16="http://schemas.microsoft.com/office/drawing/2014/main" id="{5FAD1907-DE36-492E-BB5B-5B2545CCD8CA}"/>
+              </a:ext>
+            </a:extLst>
+          </p:cNvPr>
+          <p:cNvGraphicFramePr>
+            <a:graphicFrameLocks noGrp="1"/>
+          </p:cNvGraphicFramePr>
+          <p:nvPr>
+            <p:extLst>
+              <p:ext uri="{D42A27DB-BD31-4B8C-83A1-F6EECF244321}">
+                <p14:modId xmlns:p14="http://schemas.microsoft.com/office/powerpoint/2010/main" val="671436727"/>
+              </p:ext>
+            </p:extLst>
+          </p:nvPr>
+        </p:nvGraphicFramePr>
+        <p:xfrm>
+          <a:off x="494147" y="4366874"/>
+          <a:ext cx="3558309" cy="1112520"/>
+        </p:xfrm>
+        <a:graphic>
+          <a:graphicData uri="http://schemas.openxmlformats.org/drawingml/2006/table">
+            <a:tbl>
+              <a:tblPr firstRow="1" bandRow="1">
+                <a:tableStyleId>{5C22544A-7EE6-4342-B048-85BDC9FD1C3A}</a:tableStyleId>
+              </a:tblPr>
+              <a:tblGrid>
+                <a:gridCol w="1186103">
+                  <a:extLst>
+                    <a:ext uri="{9D8B030D-6E8A-4147-A177-3AD203B41FA5}">
+                      <a16:colId xmlns:a16="http://schemas.microsoft.com/office/drawing/2014/main" val="1908220238"/>
+                    </a:ext>
+                  </a:extLst>
+                </a:gridCol>
+                <a:gridCol w="1186103">
+                  <a:extLst>
+                    <a:ext uri="{9D8B030D-6E8A-4147-A177-3AD203B41FA5}">
+                      <a16:colId xmlns:a16="http://schemas.microsoft.com/office/drawing/2014/main" val="571453899"/>
+                    </a:ext>
+                  </a:extLst>
+                </a:gridCol>
+                <a:gridCol w="1186103">
+                  <a:extLst>
+                    <a:ext uri="{9D8B030D-6E8A-4147-A177-3AD203B41FA5}">
+                      <a16:colId xmlns:a16="http://schemas.microsoft.com/office/drawing/2014/main" val="1255114653"/>
+                    </a:ext>
+                  </a:extLst>
+                </a:gridCol>
+              </a:tblGrid>
+              <a:tr h="370840">
+                <a:tc>
+                  <a:txBody>
+                    <a:bodyPr/>
+                    <a:lstStyle/>
+                    <a:p>
+                      <a:r>
+                        <a:rPr lang="en-US" dirty="0"/>
+                        <a:t>Emp Id</a:t>
+                      </a:r>
+                    </a:p>
+                  </a:txBody>
+                  <a:tcPr/>
+                </a:tc>
+                <a:tc>
+                  <a:txBody>
+                    <a:bodyPr/>
+                    <a:lstStyle/>
+                    <a:p>
+                      <a:r>
+                        <a:rPr lang="en-US" dirty="0"/>
+                        <a:t>Name </a:t>
+                      </a:r>
+                    </a:p>
+                  </a:txBody>
+                  <a:tcPr/>
+                </a:tc>
+                <a:tc>
+                  <a:txBody>
+                    <a:bodyPr/>
+                    <a:lstStyle/>
+                    <a:p>
+                      <a:r>
+                        <a:rPr lang="en-US" dirty="0"/>
+                        <a:t>Role</a:t>
+                      </a:r>
+                    </a:p>
+                  </a:txBody>
+                  <a:tcPr/>
+                </a:tc>
+                <a:extLst>
+                  <a:ext uri="{0D108BD9-81ED-4DB2-BD59-A6C34878D82A}">
+                    <a16:rowId xmlns:a16="http://schemas.microsoft.com/office/drawing/2014/main" val="1484273071"/>
+                  </a:ext>
+                </a:extLst>
+              </a:tr>
+              <a:tr h="370840">
+                <a:tc>
+                  <a:txBody>
+                    <a:bodyPr/>
+                    <a:lstStyle/>
+                    <a:p>
+                      <a:r>
+                        <a:rPr lang="en-US" dirty="0"/>
+                        <a:t>1</a:t>
+                      </a:r>
+                    </a:p>
+                  </a:txBody>
+                  <a:tcPr/>
+                </a:tc>
+                <a:tc>
+                  <a:txBody>
+                    <a:bodyPr/>
+                    <a:lstStyle/>
+                    <a:p>
+                      <a:r>
+                        <a:rPr lang="en-US" dirty="0"/>
+                        <a:t>a</a:t>
+                      </a:r>
+                    </a:p>
+                  </a:txBody>
+                  <a:tcPr/>
+                </a:tc>
+                <a:tc>
+                  <a:txBody>
+                    <a:bodyPr/>
+                    <a:lstStyle/>
+                    <a:p>
+                      <a:r>
+                        <a:rPr lang="en-US" dirty="0"/>
+                        <a:t>Developer</a:t>
+                      </a:r>
+                    </a:p>
+                  </a:txBody>
+                  <a:tcPr/>
+                </a:tc>
+                <a:extLst>
+                  <a:ext uri="{0D108BD9-81ED-4DB2-BD59-A6C34878D82A}">
+                    <a16:rowId xmlns:a16="http://schemas.microsoft.com/office/drawing/2014/main" val="2874358861"/>
+                  </a:ext>
+                </a:extLst>
+              </a:tr>
+              <a:tr h="370840">
+                <a:tc>
+                  <a:txBody>
+                    <a:bodyPr/>
+                    <a:lstStyle/>
+                    <a:p>
+                      <a:r>
+                        <a:rPr lang="en-US" dirty="0"/>
+                        <a:t>2</a:t>
+                      </a:r>
+                    </a:p>
+                  </a:txBody>
+                  <a:tcPr/>
+                </a:tc>
+                <a:tc>
+                  <a:txBody>
+                    <a:bodyPr/>
+                    <a:lstStyle/>
+                    <a:p>
+                      <a:r>
+                        <a:rPr lang="en-US" dirty="0"/>
+                        <a:t>b</a:t>
+                      </a:r>
+                    </a:p>
+                  </a:txBody>
+                  <a:tcPr/>
+                </a:tc>
+                <a:tc>
+                  <a:txBody>
+                    <a:bodyPr/>
+                    <a:lstStyle/>
+                    <a:p>
+                      <a:r>
+                        <a:rPr lang="en-US" dirty="0"/>
+                        <a:t>Admin</a:t>
+                      </a:r>
+                    </a:p>
+                  </a:txBody>
+                  <a:tcPr/>
+                </a:tc>
+                <a:extLst>
+                  <a:ext uri="{0D108BD9-81ED-4DB2-BD59-A6C34878D82A}">
+                    <a16:rowId xmlns:a16="http://schemas.microsoft.com/office/drawing/2014/main" val="2719508438"/>
+                  </a:ext>
+                </a:extLst>
+              </a:tr>
+            </a:tbl>
+          </a:graphicData>
+        </a:graphic>
+      </p:graphicFrame>
+      <p:graphicFrame>
+        <p:nvGraphicFramePr>
+          <p:cNvPr id="5" name="Table 4">
+            <a:extLst>
+              <a:ext uri="{FF2B5EF4-FFF2-40B4-BE49-F238E27FC236}">
+                <a16:creationId xmlns:a16="http://schemas.microsoft.com/office/drawing/2014/main" id="{FD55167B-4570-4663-B3D6-E16316E4C198}"/>
+              </a:ext>
+            </a:extLst>
+          </p:cNvPr>
+          <p:cNvGraphicFramePr>
+            <a:graphicFrameLocks noGrp="1"/>
+          </p:cNvGraphicFramePr>
+          <p:nvPr>
+            <p:extLst>
+              <p:ext uri="{D42A27DB-BD31-4B8C-83A1-F6EECF244321}">
+                <p14:modId xmlns:p14="http://schemas.microsoft.com/office/powerpoint/2010/main" val="1909474003"/>
+              </p:ext>
+            </p:extLst>
+          </p:nvPr>
+        </p:nvGraphicFramePr>
+        <p:xfrm>
+          <a:off x="4386118" y="4346092"/>
+          <a:ext cx="3800763" cy="741680"/>
+        </p:xfrm>
+        <a:graphic>
+          <a:graphicData uri="http://schemas.openxmlformats.org/drawingml/2006/table">
+            <a:tbl>
+              <a:tblPr firstRow="1" bandRow="1">
+                <a:tableStyleId>{5C22544A-7EE6-4342-B048-85BDC9FD1C3A}</a:tableStyleId>
+              </a:tblPr>
+              <a:tblGrid>
+                <a:gridCol w="1266921">
+                  <a:extLst>
+                    <a:ext uri="{9D8B030D-6E8A-4147-A177-3AD203B41FA5}">
+                      <a16:colId xmlns:a16="http://schemas.microsoft.com/office/drawing/2014/main" val="1908220238"/>
+                    </a:ext>
+                  </a:extLst>
+                </a:gridCol>
+                <a:gridCol w="1266921">
+                  <a:extLst>
+                    <a:ext uri="{9D8B030D-6E8A-4147-A177-3AD203B41FA5}">
+                      <a16:colId xmlns:a16="http://schemas.microsoft.com/office/drawing/2014/main" val="571453899"/>
+                    </a:ext>
+                  </a:extLst>
+                </a:gridCol>
+                <a:gridCol w="1266921">
+                  <a:extLst>
+                    <a:ext uri="{9D8B030D-6E8A-4147-A177-3AD203B41FA5}">
+                      <a16:colId xmlns:a16="http://schemas.microsoft.com/office/drawing/2014/main" val="1255114653"/>
+                    </a:ext>
+                  </a:extLst>
+                </a:gridCol>
+              </a:tblGrid>
+              <a:tr h="370840">
+                <a:tc>
+                  <a:txBody>
+                    <a:bodyPr/>
+                    <a:lstStyle/>
+                    <a:p>
+                      <a:r>
+                        <a:rPr lang="en-US" dirty="0"/>
+                        <a:t>Emp Id</a:t>
+                      </a:r>
+                    </a:p>
+                  </a:txBody>
+                  <a:tcPr/>
+                </a:tc>
+                <a:tc>
+                  <a:txBody>
+                    <a:bodyPr/>
+                    <a:lstStyle/>
+                    <a:p>
+                      <a:r>
+                        <a:rPr lang="en-US" dirty="0"/>
+                        <a:t>Name </a:t>
+                      </a:r>
+                    </a:p>
+                  </a:txBody>
+                  <a:tcPr/>
+                </a:tc>
+                <a:tc>
+                  <a:txBody>
+                    <a:bodyPr/>
+                    <a:lstStyle/>
+                    <a:p>
+                      <a:r>
+                        <a:rPr lang="en-US" dirty="0"/>
+                        <a:t>Role</a:t>
+                      </a:r>
+                    </a:p>
+                  </a:txBody>
+                  <a:tcPr/>
+                </a:tc>
+                <a:extLst>
+                  <a:ext uri="{0D108BD9-81ED-4DB2-BD59-A6C34878D82A}">
+                    <a16:rowId xmlns:a16="http://schemas.microsoft.com/office/drawing/2014/main" val="1484273071"/>
+                  </a:ext>
+                </a:extLst>
+              </a:tr>
+              <a:tr h="370840">
+                <a:tc>
+                  <a:txBody>
+                    <a:bodyPr/>
+                    <a:lstStyle/>
+                    <a:p>
+                      <a:r>
+                        <a:rPr lang="en-US" dirty="0"/>
+                        <a:t>3</a:t>
+                      </a:r>
+                    </a:p>
+                  </a:txBody>
+                  <a:tcPr/>
+                </a:tc>
+                <a:tc>
+                  <a:txBody>
+                    <a:bodyPr/>
+                    <a:lstStyle/>
+                    <a:p>
+                      <a:r>
+                        <a:rPr lang="en-US" dirty="0"/>
+                        <a:t>c</a:t>
+                      </a:r>
+                    </a:p>
+                  </a:txBody>
+                  <a:tcPr/>
+                </a:tc>
+                <a:tc>
+                  <a:txBody>
+                    <a:bodyPr/>
+                    <a:lstStyle/>
+                    <a:p>
+                      <a:r>
+                        <a:rPr lang="en-US" dirty="0"/>
+                        <a:t>Manager</a:t>
+                      </a:r>
+                    </a:p>
+                  </a:txBody>
+                  <a:tcPr/>
+                </a:tc>
+                <a:extLst>
+                  <a:ext uri="{0D108BD9-81ED-4DB2-BD59-A6C34878D82A}">
+                    <a16:rowId xmlns:a16="http://schemas.microsoft.com/office/drawing/2014/main" val="2874358861"/>
+                  </a:ext>
+                </a:extLst>
+              </a:tr>
+            </a:tbl>
+          </a:graphicData>
+        </a:graphic>
+      </p:graphicFrame>
+      <p:sp>
+        <p:nvSpPr>
+          <p:cNvPr id="6" name="Rectangle 5">
+            <a:extLst>
+              <a:ext uri="{FF2B5EF4-FFF2-40B4-BE49-F238E27FC236}">
+                <a16:creationId xmlns:a16="http://schemas.microsoft.com/office/drawing/2014/main" id="{FF1468C8-E8D3-4E7E-A1E9-425FBA6CF496}"/>
+              </a:ext>
+            </a:extLst>
+          </p:cNvPr>
+          <p:cNvSpPr/>
+          <p:nvPr/>
+        </p:nvSpPr>
+        <p:spPr>
+          <a:xfrm>
+            <a:off x="574963" y="5696375"/>
+            <a:ext cx="9585035" cy="1200329"/>
+          </a:xfrm>
+          <a:prstGeom prst="rect">
+            <a:avLst/>
+          </a:prstGeom>
+        </p:spPr>
+        <p:txBody>
+          <a:bodyPr wrap="square">
+            <a:spAutoFit/>
+          </a:bodyPr>
+          <a:lstStyle/>
+          <a:p>
+            <a:endParaRPr lang="en-US" b="1" dirty="0"/>
+          </a:p>
+          <a:p>
+            <a:r>
+              <a:rPr lang="en-US" b="1" dirty="0"/>
               <a:t>Question 7.</a:t>
             </a:r>
           </a:p>
           <a:p>
-            <a:pPr marL="0" indent="0">
-              <a:buNone/>
-            </a:pPr>
-            <a:r>
-              <a:rPr lang="en-US" sz="2000" b="1" dirty="0"/>
+            <a:r>
+              <a:rPr lang="en-US" b="1" dirty="0"/>
               <a:t>Extract the amount of money spent by company in paying salary and bonus.</a:t>
             </a:r>
             <a:endParaRPr lang="en-US" dirty="0"/>
           </a:p>
           <a:p>
-            <a:pPr marL="0" indent="0">
-              <a:buNone/>
-            </a:pPr>
             <a:endParaRPr lang="en-US" dirty="0"/>
           </a:p>
         </p:txBody>
       </p:sp>
+      <p:graphicFrame>
+        <p:nvGraphicFramePr>
+          <p:cNvPr id="7" name="Table 4">
+            <a:extLst>
+              <a:ext uri="{FF2B5EF4-FFF2-40B4-BE49-F238E27FC236}">
+                <a16:creationId xmlns:a16="http://schemas.microsoft.com/office/drawing/2014/main" id="{6C37EF73-2C09-4364-A03C-30AB6757C3D0}"/>
+              </a:ext>
+            </a:extLst>
+          </p:cNvPr>
+          <p:cNvGraphicFramePr>
+            <a:graphicFrameLocks noGrp="1"/>
+          </p:cNvGraphicFramePr>
+          <p:nvPr>
+            <p:extLst>
+              <p:ext uri="{D42A27DB-BD31-4B8C-83A1-F6EECF244321}">
+                <p14:modId xmlns:p14="http://schemas.microsoft.com/office/powerpoint/2010/main" val="424080220"/>
+              </p:ext>
+            </p:extLst>
+          </p:nvPr>
+        </p:nvGraphicFramePr>
+        <p:xfrm>
+          <a:off x="8541325" y="4343518"/>
+          <a:ext cx="3558309" cy="1483360"/>
+        </p:xfrm>
+        <a:graphic>
+          <a:graphicData uri="http://schemas.openxmlformats.org/drawingml/2006/table">
+            <a:tbl>
+              <a:tblPr firstRow="1" bandRow="1">
+                <a:tableStyleId>{5C22544A-7EE6-4342-B048-85BDC9FD1C3A}</a:tableStyleId>
+              </a:tblPr>
+              <a:tblGrid>
+                <a:gridCol w="1186103">
+                  <a:extLst>
+                    <a:ext uri="{9D8B030D-6E8A-4147-A177-3AD203B41FA5}">
+                      <a16:colId xmlns:a16="http://schemas.microsoft.com/office/drawing/2014/main" val="1908220238"/>
+                    </a:ext>
+                  </a:extLst>
+                </a:gridCol>
+                <a:gridCol w="1186103">
+                  <a:extLst>
+                    <a:ext uri="{9D8B030D-6E8A-4147-A177-3AD203B41FA5}">
+                      <a16:colId xmlns:a16="http://schemas.microsoft.com/office/drawing/2014/main" val="571453899"/>
+                    </a:ext>
+                  </a:extLst>
+                </a:gridCol>
+                <a:gridCol w="1186103">
+                  <a:extLst>
+                    <a:ext uri="{9D8B030D-6E8A-4147-A177-3AD203B41FA5}">
+                      <a16:colId xmlns:a16="http://schemas.microsoft.com/office/drawing/2014/main" val="1255114653"/>
+                    </a:ext>
+                  </a:extLst>
+                </a:gridCol>
+              </a:tblGrid>
+              <a:tr h="370840">
+                <a:tc>
+                  <a:txBody>
+                    <a:bodyPr/>
+                    <a:lstStyle/>
+                    <a:p>
+                      <a:r>
+                        <a:rPr lang="en-US" dirty="0"/>
+                        <a:t>Emp Id</a:t>
+                      </a:r>
+                    </a:p>
+                  </a:txBody>
+                  <a:tcPr/>
+                </a:tc>
+                <a:tc>
+                  <a:txBody>
+                    <a:bodyPr/>
+                    <a:lstStyle/>
+                    <a:p>
+                      <a:r>
+                        <a:rPr lang="en-US" dirty="0"/>
+                        <a:t>Name </a:t>
+                      </a:r>
+                    </a:p>
+                  </a:txBody>
+                  <a:tcPr/>
+                </a:tc>
+                <a:tc>
+                  <a:txBody>
+                    <a:bodyPr/>
+                    <a:lstStyle/>
+                    <a:p>
+                      <a:r>
+                        <a:rPr lang="en-US" dirty="0"/>
+                        <a:t>Role</a:t>
+                      </a:r>
+                    </a:p>
+                  </a:txBody>
+                  <a:tcPr/>
+                </a:tc>
+                <a:extLst>
+                  <a:ext uri="{0D108BD9-81ED-4DB2-BD59-A6C34878D82A}">
+                    <a16:rowId xmlns:a16="http://schemas.microsoft.com/office/drawing/2014/main" val="1484273071"/>
+                  </a:ext>
+                </a:extLst>
+              </a:tr>
+              <a:tr h="370840">
+                <a:tc>
+                  <a:txBody>
+                    <a:bodyPr/>
+                    <a:lstStyle/>
+                    <a:p>
+                      <a:r>
+                        <a:rPr lang="en-US" dirty="0"/>
+                        <a:t>1</a:t>
+                      </a:r>
+                    </a:p>
+                  </a:txBody>
+                  <a:tcPr/>
+                </a:tc>
+                <a:tc>
+                  <a:txBody>
+                    <a:bodyPr/>
+                    <a:lstStyle/>
+                    <a:p>
+                      <a:r>
+                        <a:rPr lang="en-US" dirty="0"/>
+                        <a:t>a</a:t>
+                      </a:r>
+                    </a:p>
+                  </a:txBody>
+                  <a:tcPr/>
+                </a:tc>
+                <a:tc>
+                  <a:txBody>
+                    <a:bodyPr/>
+                    <a:lstStyle/>
+                    <a:p>
+                      <a:r>
+                        <a:rPr lang="en-US" dirty="0"/>
+                        <a:t>Developer</a:t>
+                      </a:r>
+                    </a:p>
+                  </a:txBody>
+                  <a:tcPr/>
+                </a:tc>
+                <a:extLst>
+                  <a:ext uri="{0D108BD9-81ED-4DB2-BD59-A6C34878D82A}">
+                    <a16:rowId xmlns:a16="http://schemas.microsoft.com/office/drawing/2014/main" val="2874358861"/>
+                  </a:ext>
+                </a:extLst>
+              </a:tr>
+              <a:tr h="370840">
+                <a:tc>
+                  <a:txBody>
+                    <a:bodyPr/>
+                    <a:lstStyle/>
+                    <a:p>
+                      <a:r>
+                        <a:rPr lang="en-US" dirty="0"/>
+                        <a:t>2</a:t>
+                      </a:r>
+                    </a:p>
+                  </a:txBody>
+                  <a:tcPr/>
+                </a:tc>
+                <a:tc>
+                  <a:txBody>
+                    <a:bodyPr/>
+                    <a:lstStyle/>
+                    <a:p>
+                      <a:r>
+                        <a:rPr lang="en-US" dirty="0"/>
+                        <a:t>b</a:t>
+                      </a:r>
+                    </a:p>
+                  </a:txBody>
+                  <a:tcPr/>
+                </a:tc>
+                <a:tc>
+                  <a:txBody>
+                    <a:bodyPr/>
+                    <a:lstStyle/>
+                    <a:p>
+                      <a:r>
+                        <a:rPr lang="en-US" dirty="0"/>
+                        <a:t>Admin</a:t>
+                      </a:r>
+                    </a:p>
+                  </a:txBody>
+                  <a:tcPr/>
+                </a:tc>
+                <a:extLst>
+                  <a:ext uri="{0D108BD9-81ED-4DB2-BD59-A6C34878D82A}">
+                    <a16:rowId xmlns:a16="http://schemas.microsoft.com/office/drawing/2014/main" val="2719508438"/>
+                  </a:ext>
+                </a:extLst>
+              </a:tr>
+              <a:tr h="370840">
+                <a:tc>
+                  <a:txBody>
+                    <a:bodyPr/>
+                    <a:lstStyle/>
+                    <a:p>
+                      <a:r>
+                        <a:rPr lang="en-US" dirty="0"/>
+                        <a:t>3</a:t>
+                      </a:r>
+                    </a:p>
+                  </a:txBody>
+                  <a:tcPr/>
+                </a:tc>
+                <a:tc>
+                  <a:txBody>
+                    <a:bodyPr/>
+                    <a:lstStyle/>
+                    <a:p>
+                      <a:r>
+                        <a:rPr lang="en-US" dirty="0"/>
+                        <a:t>c</a:t>
+                      </a:r>
+                    </a:p>
+                  </a:txBody>
+                  <a:tcPr/>
+                </a:tc>
+                <a:tc>
+                  <a:txBody>
+                    <a:bodyPr/>
+                    <a:lstStyle/>
+                    <a:p>
+                      <a:r>
+                        <a:rPr lang="en-US" dirty="0"/>
+                        <a:t>Manager</a:t>
+                      </a:r>
+                    </a:p>
+                  </a:txBody>
+                  <a:tcPr/>
+                </a:tc>
+                <a:extLst>
+                  <a:ext uri="{0D108BD9-81ED-4DB2-BD59-A6C34878D82A}">
+                    <a16:rowId xmlns:a16="http://schemas.microsoft.com/office/drawing/2014/main" val="3395427152"/>
+                  </a:ext>
+                </a:extLst>
+              </a:tr>
+            </a:tbl>
+          </a:graphicData>
+        </a:graphic>
+      </p:graphicFrame>
     </p:spTree>
     <p:extLst>
       <p:ext uri="{BB962C8B-B14F-4D97-AF65-F5344CB8AC3E}">
@@ -7937,6 +8977,12 @@
             <a:pPr marL="0" indent="0">
               <a:buNone/>
             </a:pPr>
+            <a:endParaRPr lang="en-US" dirty="0"/>
+          </a:p>
+          <a:p>
+            <a:pPr marL="0" indent="0">
+              <a:buNone/>
+            </a:pPr>
             <a:r>
               <a:rPr lang="en-US" dirty="0" err="1"/>
               <a:t>eg</a:t>
@@ -7952,43 +8998,11 @@
             </a:pPr>
             <a:r>
               <a:rPr lang="en-US" dirty="0"/>
-              <a:t>Select </a:t>
+              <a:t>Select WORKER_ID, FIRST_NAME, LAST_NAME, SALARY, </a:t>
             </a:r>
             <a:r>
               <a:rPr lang="en-US" dirty="0" err="1"/>
-              <a:t>w.WORKER_ID</a:t>
-            </a:r>
-            <a:r>
-              <a:rPr lang="en-US" dirty="0"/>
-              <a:t>, </a:t>
-            </a:r>
-            <a:r>
-              <a:rPr lang="en-US" dirty="0" err="1"/>
-              <a:t>w.FIRST_NAME</a:t>
-            </a:r>
-            <a:r>
-              <a:rPr lang="en-US" dirty="0"/>
-              <a:t>, </a:t>
-            </a:r>
-            <a:r>
-              <a:rPr lang="en-US" dirty="0" err="1"/>
-              <a:t>w.LAST_NAME</a:t>
-            </a:r>
-            <a:r>
-              <a:rPr lang="en-US" dirty="0"/>
-              <a:t>, </a:t>
-            </a:r>
-            <a:r>
-              <a:rPr lang="en-US" dirty="0" err="1"/>
-              <a:t>worker.SALARY</a:t>
-            </a:r>
-            <a:r>
-              <a:rPr lang="en-US" dirty="0"/>
-              <a:t>, </a:t>
-            </a:r>
-            <a:r>
-              <a:rPr lang="en-US" dirty="0" err="1"/>
-              <a:t>b.bonus_amount</a:t>
+              <a:t>bonus_amount</a:t>
             </a:r>
             <a:endParaRPr lang="en-US" dirty="0"/>
           </a:p>
@@ -8462,7 +9476,7 @@
         <p:spPr/>
         <p:txBody>
           <a:bodyPr>
-            <a:normAutofit/>
+            <a:normAutofit lnSpcReduction="10000"/>
           </a:bodyPr>
           <a:lstStyle/>
           <a:p>
@@ -8472,6 +9486,9 @@
             </a:r>
           </a:p>
           <a:p>
+            <a:endParaRPr lang="en-US" dirty="0"/>
+          </a:p>
+          <a:p>
             <a:pPr marL="0" indent="0">
               <a:buNone/>
             </a:pPr>
@@ -8494,7 +9511,7 @@
             </a:r>
             <a:r>
               <a:rPr lang="en-US" dirty="0" err="1"/>
-              <a:t>worker.WORKER_ID</a:t>
+              <a:t>w.WORKER_ID</a:t>
             </a:r>
             <a:r>
               <a:rPr lang="en-US" dirty="0"/>
@@ -8502,7 +9519,7 @@
             </a:r>
             <a:r>
               <a:rPr lang="en-US" dirty="0" err="1"/>
-              <a:t>worker.FIRST_NAME</a:t>
+              <a:t>w.FIRST_NAME</a:t>
             </a:r>
             <a:r>
               <a:rPr lang="en-US" dirty="0"/>
@@ -8510,7 +9527,7 @@
             </a:r>
             <a:r>
               <a:rPr lang="en-US" dirty="0" err="1"/>
-              <a:t>worker.LAST_NAME</a:t>
+              <a:t>w.LAST_NAME</a:t>
             </a:r>
             <a:r>
               <a:rPr lang="en-US" dirty="0"/>
@@ -8518,7 +9535,7 @@
             </a:r>
             <a:r>
               <a:rPr lang="en-US" dirty="0" err="1"/>
-              <a:t>worker.department,worker.SALARY</a:t>
+              <a:t>w.department,w.SALARY</a:t>
             </a:r>
             <a:r>
               <a:rPr lang="en-US" dirty="0"/>
@@ -8531,7 +9548,7 @@
             </a:pPr>
             <a:r>
               <a:rPr lang="en-US" dirty="0"/>
-              <a:t>from worker </a:t>
+              <a:t>from worker w</a:t>
             </a:r>
           </a:p>
           <a:p>
@@ -8544,7 +9561,7 @@
             </a:r>
             <a:r>
               <a:rPr lang="en-US" dirty="0" err="1"/>
-              <a:t>worker.worker_id</a:t>
+              <a:t>w.worker_id</a:t>
             </a:r>
             <a:r>
               <a:rPr lang="en-US" dirty="0"/>
@@ -8561,11 +9578,11 @@
             </a:r>
             <a:r>
               <a:rPr lang="en-US" dirty="0" err="1"/>
-              <a:t>bonus.WORKER_ref_ID</a:t>
-            </a:r>
-            <a:r>
-              <a:rPr lang="en-US" dirty="0"/>
-              <a:t> from bonus where </a:t>
+              <a:t>b.WORKER_ref_ID</a:t>
+            </a:r>
+            <a:r>
+              <a:rPr lang="en-US" dirty="0"/>
+              <a:t> from bonus b where </a:t>
             </a:r>
             <a:r>
               <a:rPr lang="en-US" dirty="0" err="1"/>
@@ -8672,7 +9689,7 @@
         <p:spPr/>
         <p:txBody>
           <a:bodyPr>
-            <a:normAutofit lnSpcReduction="10000"/>
+            <a:normAutofit/>
           </a:bodyPr>
           <a:lstStyle/>
           <a:p>
@@ -8721,52 +9738,6 @@
             <a:r>
               <a:rPr lang="en-US" dirty="0"/>
               <a:t>Hint: The details related to Niharika Verma should get extracted from Worker table.</a:t>
-            </a:r>
-          </a:p>
-          <a:p>
-            <a:pPr marL="0" indent="0">
-              <a:buNone/>
-            </a:pPr>
-            <a:endParaRPr lang="en-US" dirty="0"/>
-          </a:p>
-          <a:p>
-            <a:r>
-              <a:rPr lang="en-US" dirty="0"/>
-              <a:t>Q10</a:t>
-            </a:r>
-          </a:p>
-          <a:p>
-            <a:pPr marL="0" indent="0">
-              <a:buNone/>
-            </a:pPr>
-            <a:r>
-              <a:rPr lang="en-US" dirty="0"/>
-              <a:t>Select the name, bonus, </a:t>
-            </a:r>
-            <a:r>
-              <a:rPr lang="en-US" dirty="0" err="1"/>
-              <a:t>work_title</a:t>
-            </a:r>
-            <a:r>
-              <a:rPr lang="en-US" dirty="0"/>
-              <a:t> and department of  employee(s) who get the max bonus in their category of </a:t>
-            </a:r>
-            <a:r>
-              <a:rPr lang="en-US" dirty="0" err="1"/>
-              <a:t>worker_title</a:t>
-            </a:r>
-            <a:r>
-              <a:rPr lang="en-US" dirty="0"/>
-              <a:t>.</a:t>
-            </a:r>
-          </a:p>
-          <a:p>
-            <a:pPr marL="0" indent="0">
-              <a:buNone/>
-            </a:pPr>
-            <a:r>
-              <a:rPr lang="en-US" dirty="0"/>
-              <a:t>(Try using Joins and Subqueries)</a:t>
             </a:r>
           </a:p>
         </p:txBody>
@@ -9388,7 +10359,7 @@
           <p:cNvPr id="2" name="Title 1">
             <a:extLst>
               <a:ext uri="{FF2B5EF4-FFF2-40B4-BE49-F238E27FC236}">
-                <a16:creationId xmlns:a16="http://schemas.microsoft.com/office/drawing/2014/main" id="{AF5B7F7B-DF5E-45CC-A43D-D2056991FBFA}"/>
+                <a16:creationId xmlns:a16="http://schemas.microsoft.com/office/drawing/2014/main" id="{EB4A178B-DB5D-4414-8461-A8837579E9E6}"/>
               </a:ext>
             </a:extLst>
           </p:cNvPr>
@@ -9406,45 +10377,107 @@
           <a:p>
             <a:r>
               <a:rPr lang="en-US" dirty="0"/>
-              <a:t>Solution Q10</a:t>
-            </a:r>
-          </a:p>
-        </p:txBody>
-      </p:sp>
-      <p:pic>
-        <p:nvPicPr>
-          <p:cNvPr id="6" name="Picture 5">
-            <a:extLst>
-              <a:ext uri="{FF2B5EF4-FFF2-40B4-BE49-F238E27FC236}">
-                <a16:creationId xmlns:a16="http://schemas.microsoft.com/office/drawing/2014/main" id="{7B774E49-59C8-4C2E-BC35-32B18900CDA9}"/>
-              </a:ext>
-            </a:extLst>
-          </p:cNvPr>
-          <p:cNvPicPr>
-            <a:picLocks noChangeAspect="1"/>
-          </p:cNvPicPr>
-          <p:nvPr/>
-        </p:nvPicPr>
-        <p:blipFill>
-          <a:blip r:embed="rId2"/>
-          <a:stretch>
-            <a:fillRect/>
-          </a:stretch>
-        </p:blipFill>
-        <p:spPr>
-          <a:xfrm>
-            <a:off x="0" y="2788526"/>
-            <a:ext cx="12192000" cy="1280948"/>
-          </a:xfrm>
-          <a:prstGeom prst="rect">
-            <a:avLst/>
-          </a:prstGeom>
-        </p:spPr>
-      </p:pic>
+              <a:t>				Case</a:t>
+            </a:r>
+          </a:p>
+        </p:txBody>
+      </p:sp>
+      <p:sp>
+        <p:nvSpPr>
+          <p:cNvPr id="3" name="Content Placeholder 2">
+            <a:extLst>
+              <a:ext uri="{FF2B5EF4-FFF2-40B4-BE49-F238E27FC236}">
+                <a16:creationId xmlns:a16="http://schemas.microsoft.com/office/drawing/2014/main" id="{9BDFE31B-1DDD-4D6C-AC98-8B388D54FE16}"/>
+              </a:ext>
+            </a:extLst>
+          </p:cNvPr>
+          <p:cNvSpPr>
+            <a:spLocks noGrp="1"/>
+          </p:cNvSpPr>
+          <p:nvPr>
+            <p:ph idx="1"/>
+          </p:nvPr>
+        </p:nvSpPr>
+        <p:spPr/>
+        <p:txBody>
+          <a:bodyPr>
+            <a:normAutofit/>
+          </a:bodyPr>
+          <a:lstStyle/>
+          <a:p>
+            <a:r>
+              <a:rPr lang="en-US" dirty="0"/>
+              <a:t>Adds the functionality of if else condition or switch cases from normal programming.</a:t>
+            </a:r>
+          </a:p>
+          <a:p>
+            <a:endParaRPr lang="en-US" dirty="0"/>
+          </a:p>
+          <a:p>
+            <a:endParaRPr lang="en-US" dirty="0"/>
+          </a:p>
+          <a:p>
+            <a:r>
+              <a:rPr lang="en-US" dirty="0"/>
+              <a:t>case when </a:t>
+            </a:r>
+            <a:r>
+              <a:rPr lang="en-US" dirty="0" err="1"/>
+              <a:t>some_col</a:t>
+            </a:r>
+            <a:r>
+              <a:rPr lang="en-US" dirty="0"/>
+              <a:t> &lt; </a:t>
+            </a:r>
+            <a:r>
+              <a:rPr lang="en-US" dirty="0" err="1"/>
+              <a:t>val</a:t>
+            </a:r>
+            <a:r>
+              <a:rPr lang="en-US" dirty="0"/>
+              <a:t> then ‘a’ else ‘b’ end as </a:t>
+            </a:r>
+            <a:r>
+              <a:rPr lang="en-US" dirty="0" err="1"/>
+              <a:t>some_name</a:t>
+            </a:r>
+            <a:endParaRPr lang="en-US" dirty="0"/>
+          </a:p>
+          <a:p>
+            <a:endParaRPr lang="en-US" dirty="0"/>
+          </a:p>
+          <a:p>
+            <a:pPr marL="0" indent="0">
+              <a:buNone/>
+            </a:pPr>
+            <a:r>
+              <a:rPr lang="en-US" b="1" dirty="0"/>
+              <a:t>Question</a:t>
+            </a:r>
+          </a:p>
+          <a:p>
+            <a:pPr marL="0" indent="0">
+              <a:buNone/>
+            </a:pPr>
+            <a:r>
+              <a:rPr lang="en-US" dirty="0"/>
+              <a:t>Select Yes for compensated if </a:t>
+            </a:r>
+            <a:r>
+              <a:rPr lang="en-US" dirty="0" err="1"/>
+              <a:t>bonus_amount</a:t>
+            </a:r>
+            <a:r>
+              <a:rPr lang="en-US" dirty="0"/>
+              <a:t> &gt;5000 else No from bonus table.</a:t>
+            </a:r>
+          </a:p>
+        </p:txBody>
+      </p:sp>
     </p:spTree>
     <p:extLst>
       <p:ext uri="{BB962C8B-B14F-4D97-AF65-F5344CB8AC3E}">
-        <p14:creationId xmlns:p14="http://schemas.microsoft.com/office/powerpoint/2010/main" val="59708432"/>
+        <p14:creationId xmlns:p14="http://schemas.microsoft.com/office/powerpoint/2010/main" val="1054084267"/>
       </p:ext>
     </p:extLst>
   </p:cSld>
@@ -9476,7 +10509,7 @@
           <p:cNvPr id="2" name="Title 1">
             <a:extLst>
               <a:ext uri="{FF2B5EF4-FFF2-40B4-BE49-F238E27FC236}">
-                <a16:creationId xmlns:a16="http://schemas.microsoft.com/office/drawing/2014/main" id="{EB4A178B-DB5D-4414-8461-A8837579E9E6}"/>
+                <a16:creationId xmlns:a16="http://schemas.microsoft.com/office/drawing/2014/main" id="{30C97D14-3F6A-4AAA-8A4D-E7CC1517082A}"/>
               </a:ext>
             </a:extLst>
           </p:cNvPr>
@@ -9487,163 +10520,18 @@
             <p:ph type="title"/>
           </p:nvPr>
         </p:nvSpPr>
-        <p:spPr/>
+        <p:spPr>
+          <a:xfrm>
+            <a:off x="808056" y="3629209"/>
+            <a:ext cx="10515600" cy="1325563"/>
+          </a:xfrm>
+        </p:spPr>
         <p:txBody>
           <a:bodyPr/>
           <a:lstStyle/>
           <a:p>
             <a:r>
               <a:rPr lang="en-US" dirty="0"/>
-              <a:t>				Case</a:t>
-            </a:r>
-          </a:p>
-        </p:txBody>
-      </p:sp>
-      <p:sp>
-        <p:nvSpPr>
-          <p:cNvPr id="3" name="Content Placeholder 2">
-            <a:extLst>
-              <a:ext uri="{FF2B5EF4-FFF2-40B4-BE49-F238E27FC236}">
-                <a16:creationId xmlns:a16="http://schemas.microsoft.com/office/drawing/2014/main" id="{9BDFE31B-1DDD-4D6C-AC98-8B388D54FE16}"/>
-              </a:ext>
-            </a:extLst>
-          </p:cNvPr>
-          <p:cNvSpPr>
-            <a:spLocks noGrp="1"/>
-          </p:cNvSpPr>
-          <p:nvPr>
-            <p:ph idx="1"/>
-          </p:nvPr>
-        </p:nvSpPr>
-        <p:spPr/>
-        <p:txBody>
-          <a:bodyPr>
-            <a:normAutofit/>
-          </a:bodyPr>
-          <a:lstStyle/>
-          <a:p>
-            <a:r>
-              <a:rPr lang="en-US" dirty="0"/>
-              <a:t>Adds the functionality of if else condition or switch cases from normal programming.</a:t>
-            </a:r>
-          </a:p>
-          <a:p>
-            <a:endParaRPr lang="en-US" dirty="0"/>
-          </a:p>
-          <a:p>
-            <a:endParaRPr lang="en-US" dirty="0"/>
-          </a:p>
-          <a:p>
-            <a:r>
-              <a:rPr lang="en-US" dirty="0"/>
-              <a:t>case when </a:t>
-            </a:r>
-            <a:r>
-              <a:rPr lang="en-US" dirty="0" err="1"/>
-              <a:t>some_col</a:t>
-            </a:r>
-            <a:r>
-              <a:rPr lang="en-US" dirty="0"/>
-              <a:t> &lt; </a:t>
-            </a:r>
-            <a:r>
-              <a:rPr lang="en-US" dirty="0" err="1"/>
-              <a:t>val</a:t>
-            </a:r>
-            <a:r>
-              <a:rPr lang="en-US" dirty="0"/>
-              <a:t> then ‘a’ else ‘b’ end as </a:t>
-            </a:r>
-            <a:r>
-              <a:rPr lang="en-US" dirty="0" err="1"/>
-              <a:t>some_name</a:t>
-            </a:r>
-            <a:endParaRPr lang="en-US" dirty="0"/>
-          </a:p>
-          <a:p>
-            <a:endParaRPr lang="en-US" dirty="0"/>
-          </a:p>
-          <a:p>
-            <a:pPr marL="0" indent="0">
-              <a:buNone/>
-            </a:pPr>
-            <a:r>
-              <a:rPr lang="en-US" b="1" dirty="0"/>
-              <a:t>Question</a:t>
-            </a:r>
-          </a:p>
-          <a:p>
-            <a:pPr marL="0" indent="0">
-              <a:buNone/>
-            </a:pPr>
-            <a:r>
-              <a:rPr lang="en-US" dirty="0"/>
-              <a:t>Select Yes for compensated if </a:t>
-            </a:r>
-            <a:r>
-              <a:rPr lang="en-US" dirty="0" err="1"/>
-              <a:t>bonus_amount</a:t>
-            </a:r>
-            <a:r>
-              <a:rPr lang="en-US" dirty="0"/>
-              <a:t> &gt;5000 else No from bonus table.</a:t>
-            </a:r>
-          </a:p>
-        </p:txBody>
-      </p:sp>
-    </p:spTree>
-    <p:extLst>
-      <p:ext uri="{BB962C8B-B14F-4D97-AF65-F5344CB8AC3E}">
-        <p14:creationId xmlns:p14="http://schemas.microsoft.com/office/powerpoint/2010/main" val="1054084267"/>
-      </p:ext>
-    </p:extLst>
-  </p:cSld>
-  <p:clrMapOvr>
-    <a:masterClrMapping/>
-  </p:clrMapOvr>
-</p:sld>
-</file>
-
-<file path=ppt/slides/slide32.xml><?xml version="1.0" encoding="utf-8"?>
-<p:sld xmlns:a="http://schemas.openxmlformats.org/drawingml/2006/main" xmlns:r="http://schemas.openxmlformats.org/officeDocument/2006/relationships" xmlns:p="http://schemas.openxmlformats.org/presentationml/2006/main">
-  <p:cSld>
-    <p:spTree>
-      <p:nvGrpSpPr>
-        <p:cNvPr id="1" name=""/>
-        <p:cNvGrpSpPr/>
-        <p:nvPr/>
-      </p:nvGrpSpPr>
-      <p:grpSpPr>
-        <a:xfrm>
-          <a:off x="0" y="0"/>
-          <a:ext cx="0" cy="0"/>
-          <a:chOff x="0" y="0"/>
-          <a:chExt cx="0" cy="0"/>
-        </a:xfrm>
-      </p:grpSpPr>
-      <p:sp>
-        <p:nvSpPr>
-          <p:cNvPr id="2" name="Title 1">
-            <a:extLst>
-              <a:ext uri="{FF2B5EF4-FFF2-40B4-BE49-F238E27FC236}">
-                <a16:creationId xmlns:a16="http://schemas.microsoft.com/office/drawing/2014/main" id="{30C97D14-3F6A-4AAA-8A4D-E7CC1517082A}"/>
-              </a:ext>
-            </a:extLst>
-          </p:cNvPr>
-          <p:cNvSpPr>
-            <a:spLocks noGrp="1"/>
-          </p:cNvSpPr>
-          <p:nvPr>
-            <p:ph type="title"/>
-          </p:nvPr>
-        </p:nvSpPr>
-        <p:spPr/>
-        <p:txBody>
-          <a:bodyPr/>
-          <a:lstStyle/>
-          <a:p>
-            <a:r>
-              <a:rPr lang="en-US" dirty="0"/>
               <a:t>    			   Assignment</a:t>
             </a:r>
             <a:br>
@@ -9670,7 +10558,7 @@
         </p:nvSpPr>
         <p:spPr>
           <a:xfrm>
-            <a:off x="358815" y="1690688"/>
+            <a:off x="358814" y="4631606"/>
             <a:ext cx="12003526" cy="646331"/>
           </a:xfrm>
           <a:prstGeom prst="rect">
@@ -9694,6 +10582,110 @@
           </a:p>
         </p:txBody>
       </p:sp>
+      <p:sp>
+        <p:nvSpPr>
+          <p:cNvPr id="3" name="Rectangle 2">
+            <a:extLst>
+              <a:ext uri="{FF2B5EF4-FFF2-40B4-BE49-F238E27FC236}">
+                <a16:creationId xmlns:a16="http://schemas.microsoft.com/office/drawing/2014/main" id="{8A553A6D-436F-409C-A913-D686E0E6ACEB}"/>
+              </a:ext>
+            </a:extLst>
+          </p:cNvPr>
+          <p:cNvSpPr/>
+          <p:nvPr/>
+        </p:nvSpPr>
+        <p:spPr>
+          <a:xfrm>
+            <a:off x="358814" y="20645"/>
+            <a:ext cx="11414085" cy="2031325"/>
+          </a:xfrm>
+          <a:prstGeom prst="rect">
+            <a:avLst/>
+          </a:prstGeom>
+        </p:spPr>
+        <p:txBody>
+          <a:bodyPr wrap="square">
+            <a:spAutoFit/>
+          </a:bodyPr>
+          <a:lstStyle/>
+          <a:p>
+            <a:endParaRPr lang="en-US" dirty="0"/>
+          </a:p>
+          <a:p>
+            <a:r>
+              <a:rPr lang="en-US" dirty="0"/>
+              <a:t>Q10</a:t>
+            </a:r>
+          </a:p>
+          <a:p>
+            <a:r>
+              <a:rPr lang="en-US" dirty="0"/>
+              <a:t>Select the name, bonus, </a:t>
+            </a:r>
+            <a:r>
+              <a:rPr lang="en-US" dirty="0" err="1"/>
+              <a:t>work_title</a:t>
+            </a:r>
+            <a:r>
+              <a:rPr lang="en-US" dirty="0"/>
+              <a:t> and department of  employee(s) who get the max bonus in their category of </a:t>
+            </a:r>
+            <a:r>
+              <a:rPr lang="en-US" dirty="0" err="1"/>
+              <a:t>worker_title</a:t>
+            </a:r>
+            <a:r>
+              <a:rPr lang="en-US" dirty="0"/>
+              <a:t>.</a:t>
+            </a:r>
+          </a:p>
+          <a:p>
+            <a:r>
+              <a:rPr lang="en-US" dirty="0"/>
+              <a:t>(Try using Joins and Subqueries)</a:t>
+            </a:r>
+          </a:p>
+          <a:p>
+            <a:endParaRPr lang="en-US" dirty="0"/>
+          </a:p>
+          <a:p>
+            <a:r>
+              <a:rPr lang="en-US" dirty="0"/>
+              <a:t>Result set should be like below </a:t>
+            </a:r>
+          </a:p>
+        </p:txBody>
+      </p:sp>
+      <p:pic>
+        <p:nvPicPr>
+          <p:cNvPr id="5" name="Picture 4">
+            <a:extLst>
+              <a:ext uri="{FF2B5EF4-FFF2-40B4-BE49-F238E27FC236}">
+                <a16:creationId xmlns:a16="http://schemas.microsoft.com/office/drawing/2014/main" id="{607681B7-3339-407C-8884-CB53EE01333C}"/>
+              </a:ext>
+            </a:extLst>
+          </p:cNvPr>
+          <p:cNvPicPr>
+            <a:picLocks noChangeAspect="1"/>
+          </p:cNvPicPr>
+          <p:nvPr/>
+        </p:nvPicPr>
+        <p:blipFill>
+          <a:blip r:embed="rId2"/>
+          <a:stretch>
+            <a:fillRect/>
+          </a:stretch>
+        </p:blipFill>
+        <p:spPr>
+          <a:xfrm>
+            <a:off x="10633" y="2025098"/>
+            <a:ext cx="12192000" cy="1280948"/>
+          </a:xfrm>
+          <a:prstGeom prst="rect">
+            <a:avLst/>
+          </a:prstGeom>
+        </p:spPr>
+      </p:pic>
     </p:spTree>
     <p:extLst>
       <p:ext uri="{BB962C8B-B14F-4D97-AF65-F5344CB8AC3E}">
@@ -9707,7 +10699,7 @@
 </p:sld>
 </file>
 
-<file path=ppt/slides/slide33.xml><?xml version="1.0" encoding="utf-8"?>
+<file path=ppt/slides/slide32.xml><?xml version="1.0" encoding="utf-8"?>
 <p:sld xmlns:a="http://schemas.openxmlformats.org/drawingml/2006/main" xmlns:r="http://schemas.openxmlformats.org/officeDocument/2006/relationships" xmlns:p="http://schemas.openxmlformats.org/presentationml/2006/main">
   <p:cSld>
     <p:bg>
@@ -11947,8 +12939,8 @@
         </p:nvSpPr>
         <p:spPr>
           <a:xfrm>
-            <a:off x="49748" y="1939716"/>
-            <a:ext cx="4212917" cy="1200329"/>
+            <a:off x="-12598" y="1939716"/>
+            <a:ext cx="4626161" cy="1200329"/>
           </a:xfrm>
           <a:prstGeom prst="rect">
             <a:avLst/>
@@ -11993,7 +12985,7 @@
             </a:pPr>
             <a:r>
               <a:rPr lang="en-US" dirty="0"/>
-              <a:t>Each row is identified by a unique key</a:t>
+              <a:t>Each row can be identified by a unique key</a:t>
             </a:r>
           </a:p>
         </p:txBody>
@@ -12317,7 +13309,7 @@
           <a:p>
             <a:r>
               <a:rPr lang="en-US" dirty="0"/>
-              <a:t>Varying implementation for different RDBMS. (same concepts though)</a:t>
+              <a:t>Various implementation for different RDBMS. (same concepts though)</a:t>
             </a:r>
           </a:p>
           <a:p>
@@ -13983,4 +14975,299 @@
     </a:ext>
   </a:extLst>
 </a:theme>
+</file>
+
+<file path=ppt/theme/theme2.xml><?xml version="1.0" encoding="utf-8"?>
+<a:theme xmlns:a="http://schemas.openxmlformats.org/drawingml/2006/main" name="Office Theme">
+  <a:themeElements>
+    <a:clrScheme name="Office">
+      <a:dk1>
+        <a:sysClr val="windowText" lastClr="000000"/>
+      </a:dk1>
+      <a:lt1>
+        <a:sysClr val="window" lastClr="FFFFFF"/>
+      </a:lt1>
+      <a:dk2>
+        <a:srgbClr val="44546A"/>
+      </a:dk2>
+      <a:lt2>
+        <a:srgbClr val="E7E6E6"/>
+      </a:lt2>
+      <a:accent1>
+        <a:srgbClr val="4472C4"/>
+      </a:accent1>
+      <a:accent2>
+        <a:srgbClr val="ED7D31"/>
+      </a:accent2>
+      <a:accent3>
+        <a:srgbClr val="A5A5A5"/>
+      </a:accent3>
+      <a:accent4>
+        <a:srgbClr val="FFC000"/>
+      </a:accent4>
+      <a:accent5>
+        <a:srgbClr val="5B9BD5"/>
+      </a:accent5>
+      <a:accent6>
+        <a:srgbClr val="70AD47"/>
+      </a:accent6>
+      <a:hlink>
+        <a:srgbClr val="0563C1"/>
+      </a:hlink>
+      <a:folHlink>
+        <a:srgbClr val="954F72"/>
+      </a:folHlink>
+    </a:clrScheme>
+    <a:fontScheme name="Office">
+      <a:majorFont>
+        <a:latin typeface="Calibri Light" panose="020F0302020204030204"/>
+        <a:ea typeface=""/>
+        <a:cs typeface=""/>
+        <a:font script="Jpan" typeface="游ゴシック Light"/>
+        <a:font script="Hang" typeface="맑은 고딕"/>
+        <a:font script="Hans" typeface="等线 Light"/>
+        <a:font script="Hant" typeface="新細明體"/>
+        <a:font script="Arab" typeface="Times New Roman"/>
+        <a:font script="Hebr" typeface="Times New Roman"/>
+        <a:font script="Thai" typeface="Angsana New"/>
+        <a:font script="Ethi" typeface="Nyala"/>
+        <a:font script="Beng" typeface="Vrinda"/>
+        <a:font script="Gujr" typeface="Shruti"/>
+        <a:font script="Khmr" typeface="MoolBoran"/>
+        <a:font script="Knda" typeface="Tunga"/>
+        <a:font script="Guru" typeface="Raavi"/>
+        <a:font script="Cans" typeface="Euphemia"/>
+        <a:font script="Cher" typeface="Plantagenet Cherokee"/>
+        <a:font script="Yiii" typeface="Microsoft Yi Baiti"/>
+        <a:font script="Tibt" typeface="Microsoft Himalaya"/>
+        <a:font script="Thaa" typeface="MV Boli"/>
+        <a:font script="Deva" typeface="Mangal"/>
+        <a:font script="Telu" typeface="Gautami"/>
+        <a:font script="Taml" typeface="Latha"/>
+        <a:font script="Syrc" typeface="Estrangelo Edessa"/>
+        <a:font script="Orya" typeface="Kalinga"/>
+        <a:font script="Mlym" typeface="Kartika"/>
+        <a:font script="Laoo" typeface="DokChampa"/>
+        <a:font script="Sinh" typeface="Iskoola Pota"/>
+        <a:font script="Mong" typeface="Mongolian Baiti"/>
+        <a:font script="Viet" typeface="Times New Roman"/>
+        <a:font script="Uigh" typeface="Microsoft Uighur"/>
+        <a:font script="Geor" typeface="Sylfaen"/>
+        <a:font script="Armn" typeface="Arial"/>
+        <a:font script="Bugi" typeface="Leelawadee UI"/>
+        <a:font script="Bopo" typeface="Microsoft JhengHei"/>
+        <a:font script="Java" typeface="Javanese Text"/>
+        <a:font script="Lisu" typeface="Segoe UI"/>
+        <a:font script="Mymr" typeface="Myanmar Text"/>
+        <a:font script="Nkoo" typeface="Ebrima"/>
+        <a:font script="Olck" typeface="Nirmala UI"/>
+        <a:font script="Osma" typeface="Ebrima"/>
+        <a:font script="Phag" typeface="Phagspa"/>
+        <a:font script="Syrn" typeface="Estrangelo Edessa"/>
+        <a:font script="Syrj" typeface="Estrangelo Edessa"/>
+        <a:font script="Syre" typeface="Estrangelo Edessa"/>
+        <a:font script="Sora" typeface="Nirmala UI"/>
+        <a:font script="Tale" typeface="Microsoft Tai Le"/>
+        <a:font script="Talu" typeface="Microsoft New Tai Lue"/>
+        <a:font script="Tfng" typeface="Ebrima"/>
+      </a:majorFont>
+      <a:minorFont>
+        <a:latin typeface="Calibri" panose="020F0502020204030204"/>
+        <a:ea typeface=""/>
+        <a:cs typeface=""/>
+        <a:font script="Jpan" typeface="游ゴシック"/>
+        <a:font script="Hang" typeface="맑은 고딕"/>
+        <a:font script="Hans" typeface="等线"/>
+        <a:font script="Hant" typeface="新細明體"/>
+        <a:font script="Arab" typeface="Arial"/>
+        <a:font script="Hebr" typeface="Arial"/>
+        <a:font script="Thai" typeface="Cordia New"/>
+        <a:font script="Ethi" typeface="Nyala"/>
+        <a:font script="Beng" typeface="Vrinda"/>
+        <a:font script="Gujr" typeface="Shruti"/>
+        <a:font script="Khmr" typeface="DaunPenh"/>
+        <a:font script="Knda" typeface="Tunga"/>
+        <a:font script="Guru" typeface="Raavi"/>
+        <a:font script="Cans" typeface="Euphemia"/>
+        <a:font script="Cher" typeface="Plantagenet Cherokee"/>
+        <a:font script="Yiii" typeface="Microsoft Yi Baiti"/>
+        <a:font script="Tibt" typeface="Microsoft Himalaya"/>
+        <a:font script="Thaa" typeface="MV Boli"/>
+        <a:font script="Deva" typeface="Mangal"/>
+        <a:font script="Telu" typeface="Gautami"/>
+        <a:font script="Taml" typeface="Latha"/>
+        <a:font script="Syrc" typeface="Estrangelo Edessa"/>
+        <a:font script="Orya" typeface="Kalinga"/>
+        <a:font script="Mlym" typeface="Kartika"/>
+        <a:font script="Laoo" typeface="DokChampa"/>
+        <a:font script="Sinh" typeface="Iskoola Pota"/>
+        <a:font script="Mong" typeface="Mongolian Baiti"/>
+        <a:font script="Viet" typeface="Arial"/>
+        <a:font script="Uigh" typeface="Microsoft Uighur"/>
+        <a:font script="Geor" typeface="Sylfaen"/>
+        <a:font script="Armn" typeface="Arial"/>
+        <a:font script="Bugi" typeface="Leelawadee UI"/>
+        <a:font script="Bopo" typeface="Microsoft JhengHei"/>
+        <a:font script="Java" typeface="Javanese Text"/>
+        <a:font script="Lisu" typeface="Segoe UI"/>
+        <a:font script="Mymr" typeface="Myanmar Text"/>
+        <a:font script="Nkoo" typeface="Ebrima"/>
+        <a:font script="Olck" typeface="Nirmala UI"/>
+        <a:font script="Osma" typeface="Ebrima"/>
+        <a:font script="Phag" typeface="Phagspa"/>
+        <a:font script="Syrn" typeface="Estrangelo Edessa"/>
+        <a:font script="Syrj" typeface="Estrangelo Edessa"/>
+        <a:font script="Syre" typeface="Estrangelo Edessa"/>
+        <a:font script="Sora" typeface="Nirmala UI"/>
+        <a:font script="Tale" typeface="Microsoft Tai Le"/>
+        <a:font script="Talu" typeface="Microsoft New Tai Lue"/>
+        <a:font script="Tfng" typeface="Ebrima"/>
+      </a:minorFont>
+    </a:fontScheme>
+    <a:fmtScheme name="Office">
+      <a:fillStyleLst>
+        <a:solidFill>
+          <a:schemeClr val="phClr"/>
+        </a:solidFill>
+        <a:gradFill rotWithShape="1">
+          <a:gsLst>
+            <a:gs pos="0">
+              <a:schemeClr val="phClr">
+                <a:lumMod val="110000"/>
+                <a:satMod val="105000"/>
+                <a:tint val="67000"/>
+              </a:schemeClr>
+            </a:gs>
+            <a:gs pos="50000">
+              <a:schemeClr val="phClr">
+                <a:lumMod val="105000"/>
+                <a:satMod val="103000"/>
+                <a:tint val="73000"/>
+              </a:schemeClr>
+            </a:gs>
+            <a:gs pos="100000">
+              <a:schemeClr val="phClr">
+                <a:lumMod val="105000"/>
+                <a:satMod val="109000"/>
+                <a:tint val="81000"/>
+              </a:schemeClr>
+            </a:gs>
+          </a:gsLst>
+          <a:lin ang="5400000" scaled="0"/>
+        </a:gradFill>
+        <a:gradFill rotWithShape="1">
+          <a:gsLst>
+            <a:gs pos="0">
+              <a:schemeClr val="phClr">
+                <a:satMod val="103000"/>
+                <a:lumMod val="102000"/>
+                <a:tint val="94000"/>
+              </a:schemeClr>
+            </a:gs>
+            <a:gs pos="50000">
+              <a:schemeClr val="phClr">
+                <a:satMod val="110000"/>
+                <a:lumMod val="100000"/>
+                <a:shade val="100000"/>
+              </a:schemeClr>
+            </a:gs>
+            <a:gs pos="100000">
+              <a:schemeClr val="phClr">
+                <a:lumMod val="99000"/>
+                <a:satMod val="120000"/>
+                <a:shade val="78000"/>
+              </a:schemeClr>
+            </a:gs>
+          </a:gsLst>
+          <a:lin ang="5400000" scaled="0"/>
+        </a:gradFill>
+      </a:fillStyleLst>
+      <a:lnStyleLst>
+        <a:ln w="6350" cap="flat" cmpd="sng" algn="ctr">
+          <a:solidFill>
+            <a:schemeClr val="phClr"/>
+          </a:solidFill>
+          <a:prstDash val="solid"/>
+          <a:miter lim="800000"/>
+        </a:ln>
+        <a:ln w="12700" cap="flat" cmpd="sng" algn="ctr">
+          <a:solidFill>
+            <a:schemeClr val="phClr"/>
+          </a:solidFill>
+          <a:prstDash val="solid"/>
+          <a:miter lim="800000"/>
+        </a:ln>
+        <a:ln w="19050" cap="flat" cmpd="sng" algn="ctr">
+          <a:solidFill>
+            <a:schemeClr val="phClr"/>
+          </a:solidFill>
+          <a:prstDash val="solid"/>
+          <a:miter lim="800000"/>
+        </a:ln>
+      </a:lnStyleLst>
+      <a:effectStyleLst>
+        <a:effectStyle>
+          <a:effectLst/>
+        </a:effectStyle>
+        <a:effectStyle>
+          <a:effectLst/>
+        </a:effectStyle>
+        <a:effectStyle>
+          <a:effectLst>
+            <a:outerShdw blurRad="57150" dist="19050" dir="5400000" algn="ctr" rotWithShape="0">
+              <a:srgbClr val="000000">
+                <a:alpha val="63000"/>
+              </a:srgbClr>
+            </a:outerShdw>
+          </a:effectLst>
+        </a:effectStyle>
+      </a:effectStyleLst>
+      <a:bgFillStyleLst>
+        <a:solidFill>
+          <a:schemeClr val="phClr"/>
+        </a:solidFill>
+        <a:solidFill>
+          <a:schemeClr val="phClr">
+            <a:tint val="95000"/>
+            <a:satMod val="170000"/>
+          </a:schemeClr>
+        </a:solidFill>
+        <a:gradFill rotWithShape="1">
+          <a:gsLst>
+            <a:gs pos="0">
+              <a:schemeClr val="phClr">
+                <a:tint val="93000"/>
+                <a:satMod val="150000"/>
+                <a:shade val="98000"/>
+                <a:lumMod val="102000"/>
+              </a:schemeClr>
+            </a:gs>
+            <a:gs pos="50000">
+              <a:schemeClr val="phClr">
+                <a:tint val="98000"/>
+                <a:satMod val="130000"/>
+                <a:shade val="90000"/>
+                <a:lumMod val="103000"/>
+              </a:schemeClr>
+            </a:gs>
+            <a:gs pos="100000">
+              <a:schemeClr val="phClr">
+                <a:shade val="63000"/>
+                <a:satMod val="120000"/>
+              </a:schemeClr>
+            </a:gs>
+          </a:gsLst>
+          <a:lin ang="5400000" scaled="0"/>
+        </a:gradFill>
+      </a:bgFillStyleLst>
+    </a:fmtScheme>
+  </a:themeElements>
+  <a:objectDefaults/>
+  <a:extraClrSchemeLst/>
+  <a:extLst>
+    <a:ext uri="{05A4C25C-085E-4340-85A3-A5531E510DB2}">
+      <thm15:themeFamily xmlns:thm15="http://schemas.microsoft.com/office/thememl/2012/main" name="Office Theme" id="{62F939B6-93AF-4DB8-9C6B-D6C7DFDC589F}" vid="{4A3C46E8-61CC-4603-A589-7422A47A8E4A}"/>
+    </a:ext>
+  </a:extLst>
+</a:theme>
 </file>
--- a/week-2-sql/sql.pptx
+++ b/week-2-sql/sql.pptx
@@ -5,7 +5,7 @@
     <p:sldMasterId id="2147483648" r:id="rId1"/>
   </p:sldMasterIdLst>
   <p:notesMasterIdLst>
-    <p:notesMasterId r:id="rId34"/>
+    <p:notesMasterId r:id="rId33"/>
   </p:notesMasterIdLst>
   <p:sldIdLst>
     <p:sldId id="261" r:id="rId2"/>
@@ -30,16 +30,15 @@
     <p:sldId id="275" r:id="rId21"/>
     <p:sldId id="277" r:id="rId22"/>
     <p:sldId id="278" r:id="rId23"/>
-    <p:sldId id="280" r:id="rId24"/>
-    <p:sldId id="282" r:id="rId25"/>
-    <p:sldId id="284" r:id="rId26"/>
-    <p:sldId id="285" r:id="rId27"/>
-    <p:sldId id="286" r:id="rId28"/>
-    <p:sldId id="288" r:id="rId29"/>
-    <p:sldId id="289" r:id="rId30"/>
-    <p:sldId id="295" r:id="rId31"/>
-    <p:sldId id="296" r:id="rId32"/>
-    <p:sldId id="294" r:id="rId33"/>
+    <p:sldId id="282" r:id="rId24"/>
+    <p:sldId id="284" r:id="rId25"/>
+    <p:sldId id="285" r:id="rId26"/>
+    <p:sldId id="286" r:id="rId27"/>
+    <p:sldId id="288" r:id="rId28"/>
+    <p:sldId id="289" r:id="rId29"/>
+    <p:sldId id="295" r:id="rId30"/>
+    <p:sldId id="296" r:id="rId31"/>
+    <p:sldId id="294" r:id="rId32"/>
   </p:sldIdLst>
   <p:sldSz cx="12192000" cy="6858000"/>
   <p:notesSz cx="6858000" cy="9144000"/>
@@ -307,7 +306,7 @@
           <a:p>
             <a:fld id="{403AA948-B266-4642-840D-7453241ED0ED}" type="datetimeFigureOut">
               <a:rPr lang="en-US" smtClean="0"/>
-              <a:t>3/4/2021</a:t>
+              <a:t>3/5/2021</a:t>
             </a:fld>
             <a:endParaRPr lang="en-US"/>
           </a:p>
@@ -805,7 +804,7 @@
           <a:p>
             <a:fld id="{93044223-B2E0-4C94-A14D-CB1CD72990A5}" type="datetimeFigureOut">
               <a:rPr lang="en-US" smtClean="0"/>
-              <a:t>3/4/2021</a:t>
+              <a:t>3/5/2021</a:t>
             </a:fld>
             <a:endParaRPr lang="en-US"/>
           </a:p>
@@ -1003,7 +1002,7 @@
           <a:p>
             <a:fld id="{93044223-B2E0-4C94-A14D-CB1CD72990A5}" type="datetimeFigureOut">
               <a:rPr lang="en-US" smtClean="0"/>
-              <a:t>3/4/2021</a:t>
+              <a:t>3/5/2021</a:t>
             </a:fld>
             <a:endParaRPr lang="en-US"/>
           </a:p>
@@ -1211,7 +1210,7 @@
           <a:p>
             <a:fld id="{93044223-B2E0-4C94-A14D-CB1CD72990A5}" type="datetimeFigureOut">
               <a:rPr lang="en-US" smtClean="0"/>
-              <a:t>3/4/2021</a:t>
+              <a:t>3/5/2021</a:t>
             </a:fld>
             <a:endParaRPr lang="en-US"/>
           </a:p>
@@ -1409,7 +1408,7 @@
           <a:p>
             <a:fld id="{93044223-B2E0-4C94-A14D-CB1CD72990A5}" type="datetimeFigureOut">
               <a:rPr lang="en-US" smtClean="0"/>
-              <a:t>3/4/2021</a:t>
+              <a:t>3/5/2021</a:t>
             </a:fld>
             <a:endParaRPr lang="en-US"/>
           </a:p>
@@ -1684,7 +1683,7 @@
           <a:p>
             <a:fld id="{93044223-B2E0-4C94-A14D-CB1CD72990A5}" type="datetimeFigureOut">
               <a:rPr lang="en-US" smtClean="0"/>
-              <a:t>3/4/2021</a:t>
+              <a:t>3/5/2021</a:t>
             </a:fld>
             <a:endParaRPr lang="en-US"/>
           </a:p>
@@ -1949,7 +1948,7 @@
           <a:p>
             <a:fld id="{93044223-B2E0-4C94-A14D-CB1CD72990A5}" type="datetimeFigureOut">
               <a:rPr lang="en-US" smtClean="0"/>
-              <a:t>3/4/2021</a:t>
+              <a:t>3/5/2021</a:t>
             </a:fld>
             <a:endParaRPr lang="en-US"/>
           </a:p>
@@ -2361,7 +2360,7 @@
           <a:p>
             <a:fld id="{93044223-B2E0-4C94-A14D-CB1CD72990A5}" type="datetimeFigureOut">
               <a:rPr lang="en-US" smtClean="0"/>
-              <a:t>3/4/2021</a:t>
+              <a:t>3/5/2021</a:t>
             </a:fld>
             <a:endParaRPr lang="en-US"/>
           </a:p>
@@ -2502,7 +2501,7 @@
           <a:p>
             <a:fld id="{93044223-B2E0-4C94-A14D-CB1CD72990A5}" type="datetimeFigureOut">
               <a:rPr lang="en-US" smtClean="0"/>
-              <a:t>3/4/2021</a:t>
+              <a:t>3/5/2021</a:t>
             </a:fld>
             <a:endParaRPr lang="en-US"/>
           </a:p>
@@ -2615,7 +2614,7 @@
           <a:p>
             <a:fld id="{93044223-B2E0-4C94-A14D-CB1CD72990A5}" type="datetimeFigureOut">
               <a:rPr lang="en-US" smtClean="0"/>
-              <a:t>3/4/2021</a:t>
+              <a:t>3/5/2021</a:t>
             </a:fld>
             <a:endParaRPr lang="en-US"/>
           </a:p>
@@ -2926,7 +2925,7 @@
           <a:p>
             <a:fld id="{93044223-B2E0-4C94-A14D-CB1CD72990A5}" type="datetimeFigureOut">
               <a:rPr lang="en-US" smtClean="0"/>
-              <a:t>3/4/2021</a:t>
+              <a:t>3/5/2021</a:t>
             </a:fld>
             <a:endParaRPr lang="en-US"/>
           </a:p>
@@ -3214,7 +3213,7 @@
           <a:p>
             <a:fld id="{93044223-B2E0-4C94-A14D-CB1CD72990A5}" type="datetimeFigureOut">
               <a:rPr lang="en-US" smtClean="0"/>
-              <a:t>3/4/2021</a:t>
+              <a:t>3/5/2021</a:t>
             </a:fld>
             <a:endParaRPr lang="en-US"/>
           </a:p>
@@ -3455,7 +3454,7 @@
           <a:p>
             <a:fld id="{93044223-B2E0-4C94-A14D-CB1CD72990A5}" type="datetimeFigureOut">
               <a:rPr lang="en-US" smtClean="0"/>
-              <a:t>3/4/2021</a:t>
+              <a:t>3/5/2021</a:t>
             </a:fld>
             <a:endParaRPr lang="en-US"/>
           </a:p>
@@ -6183,7 +6182,7 @@
         </p:spPr>
         <p:txBody>
           <a:bodyPr>
-            <a:normAutofit fontScale="77500" lnSpcReduction="20000"/>
+            <a:normAutofit fontScale="85000" lnSpcReduction="20000"/>
           </a:bodyPr>
           <a:lstStyle/>
           <a:p>
@@ -6413,82 +6412,15 @@
             </a:pPr>
             <a:r>
               <a:rPr lang="en-US" sz="2900" dirty="0"/>
-              <a:t>ORDER BY col1,coln DESC ASC</a:t>
-            </a:r>
-          </a:p>
-          <a:p>
-            <a:pPr marL="0" indent="0">
-              <a:spcBef>
-                <a:spcPts val="0"/>
-              </a:spcBef>
-              <a:buNone/>
-            </a:pPr>
+              <a:t>ORDER BY col1 </a:t>
+            </a:r>
+            <a:r>
+              <a:rPr lang="en-US" sz="2900" dirty="0" err="1"/>
+              <a:t>DESC,coln</a:t>
+            </a:r>
             <a:r>
               <a:rPr lang="en-US" sz="2900" dirty="0"/>
-              <a:t>LIMIT n;</a:t>
-            </a:r>
-          </a:p>
-          <a:p>
-            <a:pPr marL="0" indent="0">
-              <a:spcBef>
-                <a:spcPts val="0"/>
-              </a:spcBef>
-              <a:buNone/>
-            </a:pPr>
-            <a:endParaRPr lang="en-US" sz="2900" dirty="0"/>
-          </a:p>
-          <a:p>
-            <a:pPr marL="0" indent="0">
-              <a:spcBef>
-                <a:spcPts val="0"/>
-              </a:spcBef>
-              <a:buNone/>
-            </a:pPr>
-            <a:r>
-              <a:rPr lang="en-US" sz="2900" dirty="0"/>
-              <a:t>SELECT col1,col2,…</a:t>
-            </a:r>
-            <a:r>
-              <a:rPr lang="en-US" sz="2900" dirty="0" err="1"/>
-              <a:t>coln</a:t>
-            </a:r>
-            <a:endParaRPr lang="en-US" sz="2900" dirty="0"/>
-          </a:p>
-          <a:p>
-            <a:pPr marL="0" indent="0">
-              <a:spcBef>
-                <a:spcPts val="0"/>
-              </a:spcBef>
-              <a:buNone/>
-            </a:pPr>
-            <a:r>
-              <a:rPr lang="en-US" sz="2900" dirty="0"/>
-              <a:t>FROM </a:t>
-            </a:r>
-            <a:r>
-              <a:rPr lang="en-US" sz="2900" dirty="0" err="1"/>
-              <a:t>table_name</a:t>
-            </a:r>
-            <a:endParaRPr lang="en-US" sz="2900" dirty="0"/>
-          </a:p>
-          <a:p>
-            <a:pPr marL="0" indent="0">
-              <a:spcBef>
-                <a:spcPts val="0"/>
-              </a:spcBef>
-              <a:buNone/>
-            </a:pPr>
-            <a:r>
-              <a:rPr lang="en-US" sz="2900" dirty="0"/>
-              <a:t>ORDER BY col1 ASC/DESC, </a:t>
-            </a:r>
-            <a:r>
-              <a:rPr lang="en-US" sz="2900" dirty="0" err="1"/>
-              <a:t>coln</a:t>
-            </a:r>
-            <a:r>
-              <a:rPr lang="en-US" sz="2900" dirty="0"/>
-              <a:t> DESC/ASC</a:t>
+              <a:t> </a:t>
             </a:r>
           </a:p>
           <a:p>
@@ -7940,7 +7872,7 @@
           <a:p>
             <a:r>
               <a:rPr lang="en-US" dirty="0"/>
-              <a:t>Question 5.</a:t>
+              <a:t>Questions.</a:t>
             </a:r>
           </a:p>
         </p:txBody>
@@ -7961,7 +7893,12 @@
             <p:ph idx="1"/>
           </p:nvPr>
         </p:nvSpPr>
-        <p:spPr/>
+        <p:spPr>
+          <a:xfrm>
+            <a:off x="838200" y="1877580"/>
+            <a:ext cx="10515600" cy="4351338"/>
+          </a:xfrm>
+        </p:spPr>
         <p:txBody>
           <a:bodyPr/>
           <a:lstStyle/>
@@ -7971,8 +7908,29 @@
             </a:pPr>
             <a:r>
               <a:rPr lang="en-US" dirty="0"/>
-              <a:t>Find the average salary of employees in each department.</a:t>
-            </a:r>
+              <a:t>5. Find the average salary of employees in each department.</a:t>
+            </a:r>
+          </a:p>
+          <a:p>
+            <a:pPr marL="0" indent="0">
+              <a:buNone/>
+            </a:pPr>
+            <a:endParaRPr lang="en-US" dirty="0"/>
+          </a:p>
+          <a:p>
+            <a:pPr marL="0" indent="0">
+              <a:buNone/>
+            </a:pPr>
+            <a:r>
+              <a:rPr lang="en-US" dirty="0"/>
+              <a:t>6. Select the rows for employees who joined in June of 2014.</a:t>
+            </a:r>
+          </a:p>
+          <a:p>
+            <a:pPr marL="0" indent="0">
+              <a:buNone/>
+            </a:pPr>
+            <a:endParaRPr lang="en-US" dirty="0"/>
           </a:p>
         </p:txBody>
       </p:sp>
@@ -7990,95 +7948,6 @@
 </file>
 
 <file path=ppt/slides/slide23.xml><?xml version="1.0" encoding="utf-8"?>
-<p:sld xmlns:a="http://schemas.openxmlformats.org/drawingml/2006/main" xmlns:r="http://schemas.openxmlformats.org/officeDocument/2006/relationships" xmlns:p="http://schemas.openxmlformats.org/presentationml/2006/main">
-  <p:cSld>
-    <p:spTree>
-      <p:nvGrpSpPr>
-        <p:cNvPr id="1" name=""/>
-        <p:cNvGrpSpPr/>
-        <p:nvPr/>
-      </p:nvGrpSpPr>
-      <p:grpSpPr>
-        <a:xfrm>
-          <a:off x="0" y="0"/>
-          <a:ext cx="0" cy="0"/>
-          <a:chOff x="0" y="0"/>
-          <a:chExt cx="0" cy="0"/>
-        </a:xfrm>
-      </p:grpSpPr>
-      <p:sp>
-        <p:nvSpPr>
-          <p:cNvPr id="2" name="Title 1">
-            <a:extLst>
-              <a:ext uri="{FF2B5EF4-FFF2-40B4-BE49-F238E27FC236}">
-                <a16:creationId xmlns:a16="http://schemas.microsoft.com/office/drawing/2014/main" id="{2C237CED-8D02-4AA1-A09B-EA16C00373D4}"/>
-              </a:ext>
-            </a:extLst>
-          </p:cNvPr>
-          <p:cNvSpPr>
-            <a:spLocks noGrp="1"/>
-          </p:cNvSpPr>
-          <p:nvPr>
-            <p:ph type="title"/>
-          </p:nvPr>
-        </p:nvSpPr>
-        <p:spPr/>
-        <p:txBody>
-          <a:bodyPr/>
-          <a:lstStyle/>
-          <a:p>
-            <a:r>
-              <a:rPr lang="en-US" dirty="0"/>
-              <a:t>Question 6</a:t>
-            </a:r>
-          </a:p>
-        </p:txBody>
-      </p:sp>
-      <p:sp>
-        <p:nvSpPr>
-          <p:cNvPr id="3" name="Content Placeholder 2">
-            <a:extLst>
-              <a:ext uri="{FF2B5EF4-FFF2-40B4-BE49-F238E27FC236}">
-                <a16:creationId xmlns:a16="http://schemas.microsoft.com/office/drawing/2014/main" id="{36EF2DC9-08B0-4300-BDE1-AB9A57C52785}"/>
-              </a:ext>
-            </a:extLst>
-          </p:cNvPr>
-          <p:cNvSpPr>
-            <a:spLocks noGrp="1"/>
-          </p:cNvSpPr>
-          <p:nvPr>
-            <p:ph idx="1"/>
-          </p:nvPr>
-        </p:nvSpPr>
-        <p:spPr/>
-        <p:txBody>
-          <a:bodyPr/>
-          <a:lstStyle/>
-          <a:p>
-            <a:pPr marL="0" indent="0">
-              <a:buNone/>
-            </a:pPr>
-            <a:r>
-              <a:rPr lang="en-US" dirty="0"/>
-              <a:t>Select the rows for employees who joined in June of 2014.</a:t>
-            </a:r>
-          </a:p>
-        </p:txBody>
-      </p:sp>
-    </p:spTree>
-    <p:extLst>
-      <p:ext uri="{BB962C8B-B14F-4D97-AF65-F5344CB8AC3E}">
-        <p14:creationId xmlns:p14="http://schemas.microsoft.com/office/powerpoint/2010/main" val="2139583070"/>
-      </p:ext>
-    </p:extLst>
-  </p:cSld>
-  <p:clrMapOvr>
-    <a:masterClrMapping/>
-  </p:clrMapOvr>
-</p:sld>
-</file>
-
-<file path=ppt/slides/slide24.xml><?xml version="1.0" encoding="utf-8"?>
 <p:sld xmlns:a="http://schemas.openxmlformats.org/drawingml/2006/main" xmlns:r="http://schemas.openxmlformats.org/officeDocument/2006/relationships" xmlns:p="http://schemas.openxmlformats.org/presentationml/2006/main">
   <p:cSld>
     <p:spTree>
@@ -8894,7 +8763,7 @@
 </p:sld>
 </file>
 
-<file path=ppt/slides/slide25.xml><?xml version="1.0" encoding="utf-8"?>
+<file path=ppt/slides/slide24.xml><?xml version="1.0" encoding="utf-8"?>
 <p:sld xmlns:a="http://schemas.openxmlformats.org/drawingml/2006/main" xmlns:r="http://schemas.openxmlformats.org/officeDocument/2006/relationships" xmlns:p="http://schemas.openxmlformats.org/presentationml/2006/main">
   <p:cSld>
     <p:spTree>
@@ -8958,7 +8827,7 @@
         <p:spPr/>
         <p:txBody>
           <a:bodyPr>
-            <a:normAutofit/>
+            <a:normAutofit fontScale="92500" lnSpcReduction="10000"/>
           </a:bodyPr>
           <a:lstStyle/>
           <a:p>
@@ -8983,9 +8852,15 @@
             <a:pPr marL="0" indent="0">
               <a:buNone/>
             </a:pPr>
+            <a:endParaRPr lang="en-US" dirty="0"/>
+          </a:p>
+          <a:p>
+            <a:pPr marL="0" indent="0">
+              <a:buNone/>
+            </a:pPr>
             <a:r>
               <a:rPr lang="en-US" dirty="0" err="1"/>
-              <a:t>eg</a:t>
+              <a:t>Eg</a:t>
             </a:r>
             <a:r>
               <a:rPr lang="en-US" dirty="0"/>
@@ -8998,39 +8873,7 @@
             </a:pPr>
             <a:r>
               <a:rPr lang="en-US" dirty="0"/>
-              <a:t>Select WORKER_ID, FIRST_NAME, LAST_NAME, SALARY, </a:t>
-            </a:r>
-            <a:r>
-              <a:rPr lang="en-US" dirty="0" err="1"/>
-              <a:t>bonus_amount</a:t>
-            </a:r>
-            <a:endParaRPr lang="en-US" dirty="0"/>
-          </a:p>
-          <a:p>
-            <a:pPr marL="0" indent="0">
-              <a:buNone/>
-            </a:pPr>
-            <a:r>
-              <a:rPr lang="en-US" dirty="0"/>
-              <a:t>from worker w</a:t>
-            </a:r>
-          </a:p>
-          <a:p>
-            <a:pPr marL="0" indent="0">
-              <a:buNone/>
-            </a:pPr>
-            <a:r>
-              <a:rPr lang="en-US" dirty="0"/>
-              <a:t>join bonus b</a:t>
-            </a:r>
-          </a:p>
-          <a:p>
-            <a:pPr marL="0" indent="0">
-              <a:buNone/>
-            </a:pPr>
-            <a:r>
-              <a:rPr lang="en-US" dirty="0"/>
-              <a:t>on </a:t>
+              <a:t>Select </a:t>
             </a:r>
             <a:r>
               <a:rPr lang="en-US" dirty="0" err="1"/>
@@ -9038,6 +8881,70 @@
             </a:r>
             <a:r>
               <a:rPr lang="en-US" dirty="0"/>
+              <a:t>, </a:t>
+            </a:r>
+            <a:r>
+              <a:rPr lang="en-US" dirty="0" err="1"/>
+              <a:t>w.FIRST_NAME</a:t>
+            </a:r>
+            <a:r>
+              <a:rPr lang="en-US" dirty="0"/>
+              <a:t>, </a:t>
+            </a:r>
+            <a:r>
+              <a:rPr lang="en-US" dirty="0" err="1"/>
+              <a:t>w.LAST_NAME</a:t>
+            </a:r>
+            <a:r>
+              <a:rPr lang="en-US" dirty="0"/>
+              <a:t>, </a:t>
+            </a:r>
+            <a:r>
+              <a:rPr lang="en-US" dirty="0" err="1"/>
+              <a:t>w.SALARY</a:t>
+            </a:r>
+            <a:r>
+              <a:rPr lang="en-US" dirty="0"/>
+              <a:t>, </a:t>
+            </a:r>
+            <a:r>
+              <a:rPr lang="en-US" dirty="0" err="1"/>
+              <a:t>b.bonus_amount</a:t>
+            </a:r>
+            <a:endParaRPr lang="en-US" dirty="0"/>
+          </a:p>
+          <a:p>
+            <a:pPr marL="0" indent="0">
+              <a:buNone/>
+            </a:pPr>
+            <a:r>
+              <a:rPr lang="en-US" dirty="0"/>
+              <a:t>from worker w</a:t>
+            </a:r>
+          </a:p>
+          <a:p>
+            <a:pPr marL="0" indent="0">
+              <a:buNone/>
+            </a:pPr>
+            <a:r>
+              <a:rPr lang="en-US" dirty="0"/>
+              <a:t>join bonus b</a:t>
+            </a:r>
+          </a:p>
+          <a:p>
+            <a:pPr marL="0" indent="0">
+              <a:buNone/>
+            </a:pPr>
+            <a:r>
+              <a:rPr lang="en-US" dirty="0"/>
+              <a:t>on </a:t>
+            </a:r>
+            <a:r>
+              <a:rPr lang="en-US" dirty="0" err="1"/>
+              <a:t>w.WORKER_ID</a:t>
+            </a:r>
+            <a:r>
+              <a:rPr lang="en-US" dirty="0"/>
               <a:t> = </a:t>
             </a:r>
             <a:r>
@@ -9051,6 +8958,532 @@
           </a:p>
         </p:txBody>
       </p:sp>
+      <p:graphicFrame>
+        <p:nvGraphicFramePr>
+          <p:cNvPr id="4" name="Table 4">
+            <a:extLst>
+              <a:ext uri="{FF2B5EF4-FFF2-40B4-BE49-F238E27FC236}">
+                <a16:creationId xmlns:a16="http://schemas.microsoft.com/office/drawing/2014/main" id="{5117BB3A-9A02-497E-9912-53E167A1C849}"/>
+              </a:ext>
+            </a:extLst>
+          </p:cNvPr>
+          <p:cNvGraphicFramePr>
+            <a:graphicFrameLocks noGrp="1"/>
+          </p:cNvGraphicFramePr>
+          <p:nvPr>
+            <p:extLst>
+              <p:ext uri="{D42A27DB-BD31-4B8C-83A1-F6EECF244321}">
+                <p14:modId xmlns:p14="http://schemas.microsoft.com/office/powerpoint/2010/main" val="4046941533"/>
+              </p:ext>
+            </p:extLst>
+          </p:nvPr>
+        </p:nvGraphicFramePr>
+        <p:xfrm>
+          <a:off x="234374" y="2316480"/>
+          <a:ext cx="3558309" cy="1112520"/>
+        </p:xfrm>
+        <a:graphic>
+          <a:graphicData uri="http://schemas.openxmlformats.org/drawingml/2006/table">
+            <a:tbl>
+              <a:tblPr firstRow="1" bandRow="1">
+                <a:tableStyleId>{5C22544A-7EE6-4342-B048-85BDC9FD1C3A}</a:tableStyleId>
+              </a:tblPr>
+              <a:tblGrid>
+                <a:gridCol w="1186103">
+                  <a:extLst>
+                    <a:ext uri="{9D8B030D-6E8A-4147-A177-3AD203B41FA5}">
+                      <a16:colId xmlns:a16="http://schemas.microsoft.com/office/drawing/2014/main" val="1908220238"/>
+                    </a:ext>
+                  </a:extLst>
+                </a:gridCol>
+                <a:gridCol w="1186103">
+                  <a:extLst>
+                    <a:ext uri="{9D8B030D-6E8A-4147-A177-3AD203B41FA5}">
+                      <a16:colId xmlns:a16="http://schemas.microsoft.com/office/drawing/2014/main" val="571453899"/>
+                    </a:ext>
+                  </a:extLst>
+                </a:gridCol>
+                <a:gridCol w="1186103">
+                  <a:extLst>
+                    <a:ext uri="{9D8B030D-6E8A-4147-A177-3AD203B41FA5}">
+                      <a16:colId xmlns:a16="http://schemas.microsoft.com/office/drawing/2014/main" val="1255114653"/>
+                    </a:ext>
+                  </a:extLst>
+                </a:gridCol>
+              </a:tblGrid>
+              <a:tr h="370840">
+                <a:tc>
+                  <a:txBody>
+                    <a:bodyPr/>
+                    <a:lstStyle/>
+                    <a:p>
+                      <a:r>
+                        <a:rPr lang="en-US" dirty="0"/>
+                        <a:t>Emp Id</a:t>
+                      </a:r>
+                    </a:p>
+                  </a:txBody>
+                  <a:tcPr/>
+                </a:tc>
+                <a:tc>
+                  <a:txBody>
+                    <a:bodyPr/>
+                    <a:lstStyle/>
+                    <a:p>
+                      <a:r>
+                        <a:rPr lang="en-US" dirty="0"/>
+                        <a:t>Name </a:t>
+                      </a:r>
+                    </a:p>
+                  </a:txBody>
+                  <a:tcPr/>
+                </a:tc>
+                <a:tc>
+                  <a:txBody>
+                    <a:bodyPr/>
+                    <a:lstStyle/>
+                    <a:p>
+                      <a:r>
+                        <a:rPr lang="en-US" dirty="0"/>
+                        <a:t>Role</a:t>
+                      </a:r>
+                    </a:p>
+                  </a:txBody>
+                  <a:tcPr/>
+                </a:tc>
+                <a:extLst>
+                  <a:ext uri="{0D108BD9-81ED-4DB2-BD59-A6C34878D82A}">
+                    <a16:rowId xmlns:a16="http://schemas.microsoft.com/office/drawing/2014/main" val="1484273071"/>
+                  </a:ext>
+                </a:extLst>
+              </a:tr>
+              <a:tr h="370840">
+                <a:tc>
+                  <a:txBody>
+                    <a:bodyPr/>
+                    <a:lstStyle/>
+                    <a:p>
+                      <a:r>
+                        <a:rPr lang="en-US" dirty="0"/>
+                        <a:t>1</a:t>
+                      </a:r>
+                    </a:p>
+                  </a:txBody>
+                  <a:tcPr/>
+                </a:tc>
+                <a:tc>
+                  <a:txBody>
+                    <a:bodyPr/>
+                    <a:lstStyle/>
+                    <a:p>
+                      <a:r>
+                        <a:rPr lang="en-US" dirty="0"/>
+                        <a:t>a</a:t>
+                      </a:r>
+                    </a:p>
+                  </a:txBody>
+                  <a:tcPr/>
+                </a:tc>
+                <a:tc>
+                  <a:txBody>
+                    <a:bodyPr/>
+                    <a:lstStyle/>
+                    <a:p>
+                      <a:r>
+                        <a:rPr lang="en-US" dirty="0"/>
+                        <a:t>Developer</a:t>
+                      </a:r>
+                    </a:p>
+                  </a:txBody>
+                  <a:tcPr/>
+                </a:tc>
+                <a:extLst>
+                  <a:ext uri="{0D108BD9-81ED-4DB2-BD59-A6C34878D82A}">
+                    <a16:rowId xmlns:a16="http://schemas.microsoft.com/office/drawing/2014/main" val="2874358861"/>
+                  </a:ext>
+                </a:extLst>
+              </a:tr>
+              <a:tr h="370840">
+                <a:tc>
+                  <a:txBody>
+                    <a:bodyPr/>
+                    <a:lstStyle/>
+                    <a:p>
+                      <a:r>
+                        <a:rPr lang="en-US" dirty="0"/>
+                        <a:t>2</a:t>
+                      </a:r>
+                    </a:p>
+                  </a:txBody>
+                  <a:tcPr/>
+                </a:tc>
+                <a:tc>
+                  <a:txBody>
+                    <a:bodyPr/>
+                    <a:lstStyle/>
+                    <a:p>
+                      <a:r>
+                        <a:rPr lang="en-US" dirty="0"/>
+                        <a:t>b</a:t>
+                      </a:r>
+                    </a:p>
+                  </a:txBody>
+                  <a:tcPr/>
+                </a:tc>
+                <a:tc>
+                  <a:txBody>
+                    <a:bodyPr/>
+                    <a:lstStyle/>
+                    <a:p>
+                      <a:r>
+                        <a:rPr lang="en-US" dirty="0"/>
+                        <a:t>Admin</a:t>
+                      </a:r>
+                    </a:p>
+                  </a:txBody>
+                  <a:tcPr/>
+                </a:tc>
+                <a:extLst>
+                  <a:ext uri="{0D108BD9-81ED-4DB2-BD59-A6C34878D82A}">
+                    <a16:rowId xmlns:a16="http://schemas.microsoft.com/office/drawing/2014/main" val="2719508438"/>
+                  </a:ext>
+                </a:extLst>
+              </a:tr>
+            </a:tbl>
+          </a:graphicData>
+        </a:graphic>
+      </p:graphicFrame>
+      <p:graphicFrame>
+        <p:nvGraphicFramePr>
+          <p:cNvPr id="5" name="Table 4">
+            <a:extLst>
+              <a:ext uri="{FF2B5EF4-FFF2-40B4-BE49-F238E27FC236}">
+                <a16:creationId xmlns:a16="http://schemas.microsoft.com/office/drawing/2014/main" id="{3C3EA578-107C-48B0-8A8B-CC7E2B7FE0F9}"/>
+              </a:ext>
+            </a:extLst>
+          </p:cNvPr>
+          <p:cNvGraphicFramePr>
+            <a:graphicFrameLocks noGrp="1"/>
+          </p:cNvGraphicFramePr>
+          <p:nvPr>
+            <p:extLst>
+              <p:ext uri="{D42A27DB-BD31-4B8C-83A1-F6EECF244321}">
+                <p14:modId xmlns:p14="http://schemas.microsoft.com/office/powerpoint/2010/main" val="1985681309"/>
+              </p:ext>
+            </p:extLst>
+          </p:nvPr>
+        </p:nvGraphicFramePr>
+        <p:xfrm>
+          <a:off x="4018973" y="2408382"/>
+          <a:ext cx="2533842" cy="741680"/>
+        </p:xfrm>
+        <a:graphic>
+          <a:graphicData uri="http://schemas.openxmlformats.org/drawingml/2006/table">
+            <a:tbl>
+              <a:tblPr firstRow="1" bandRow="1">
+                <a:tableStyleId>{5C22544A-7EE6-4342-B048-85BDC9FD1C3A}</a:tableStyleId>
+              </a:tblPr>
+              <a:tblGrid>
+                <a:gridCol w="1266921">
+                  <a:extLst>
+                    <a:ext uri="{9D8B030D-6E8A-4147-A177-3AD203B41FA5}">
+                      <a16:colId xmlns:a16="http://schemas.microsoft.com/office/drawing/2014/main" val="1908220238"/>
+                    </a:ext>
+                  </a:extLst>
+                </a:gridCol>
+                <a:gridCol w="1266921">
+                  <a:extLst>
+                    <a:ext uri="{9D8B030D-6E8A-4147-A177-3AD203B41FA5}">
+                      <a16:colId xmlns:a16="http://schemas.microsoft.com/office/drawing/2014/main" val="571453899"/>
+                    </a:ext>
+                  </a:extLst>
+                </a:gridCol>
+              </a:tblGrid>
+              <a:tr h="370840">
+                <a:tc>
+                  <a:txBody>
+                    <a:bodyPr/>
+                    <a:lstStyle/>
+                    <a:p>
+                      <a:r>
+                        <a:rPr lang="en-US" dirty="0"/>
+                        <a:t>Emp Id</a:t>
+                      </a:r>
+                    </a:p>
+                  </a:txBody>
+                  <a:tcPr/>
+                </a:tc>
+                <a:tc>
+                  <a:txBody>
+                    <a:bodyPr/>
+                    <a:lstStyle/>
+                    <a:p>
+                      <a:r>
+                        <a:rPr lang="en-US" dirty="0"/>
+                        <a:t>Salary</a:t>
+                      </a:r>
+                    </a:p>
+                  </a:txBody>
+                  <a:tcPr/>
+                </a:tc>
+                <a:extLst>
+                  <a:ext uri="{0D108BD9-81ED-4DB2-BD59-A6C34878D82A}">
+                    <a16:rowId xmlns:a16="http://schemas.microsoft.com/office/drawing/2014/main" val="1484273071"/>
+                  </a:ext>
+                </a:extLst>
+              </a:tr>
+              <a:tr h="370840">
+                <a:tc>
+                  <a:txBody>
+                    <a:bodyPr/>
+                    <a:lstStyle/>
+                    <a:p>
+                      <a:r>
+                        <a:rPr lang="en-US" dirty="0"/>
+                        <a:t>1</a:t>
+                      </a:r>
+                    </a:p>
+                  </a:txBody>
+                  <a:tcPr/>
+                </a:tc>
+                <a:tc>
+                  <a:txBody>
+                    <a:bodyPr/>
+                    <a:lstStyle/>
+                    <a:p>
+                      <a:r>
+                        <a:rPr lang="en-US" dirty="0"/>
+                        <a:t>50000</a:t>
+                      </a:r>
+                    </a:p>
+                  </a:txBody>
+                  <a:tcPr/>
+                </a:tc>
+                <a:extLst>
+                  <a:ext uri="{0D108BD9-81ED-4DB2-BD59-A6C34878D82A}">
+                    <a16:rowId xmlns:a16="http://schemas.microsoft.com/office/drawing/2014/main" val="2874358861"/>
+                  </a:ext>
+                </a:extLst>
+              </a:tr>
+            </a:tbl>
+          </a:graphicData>
+        </a:graphic>
+      </p:graphicFrame>
+      <p:graphicFrame>
+        <p:nvGraphicFramePr>
+          <p:cNvPr id="6" name="Table 4">
+            <a:extLst>
+              <a:ext uri="{FF2B5EF4-FFF2-40B4-BE49-F238E27FC236}">
+                <a16:creationId xmlns:a16="http://schemas.microsoft.com/office/drawing/2014/main" id="{A4F540A4-BB74-4028-8FE5-2F53DCDEDC9E}"/>
+              </a:ext>
+            </a:extLst>
+          </p:cNvPr>
+          <p:cNvGraphicFramePr>
+            <a:graphicFrameLocks noGrp="1"/>
+          </p:cNvGraphicFramePr>
+          <p:nvPr>
+            <p:extLst>
+              <p:ext uri="{D42A27DB-BD31-4B8C-83A1-F6EECF244321}">
+                <p14:modId xmlns:p14="http://schemas.microsoft.com/office/powerpoint/2010/main" val="895372258"/>
+              </p:ext>
+            </p:extLst>
+          </p:nvPr>
+        </p:nvGraphicFramePr>
+        <p:xfrm>
+          <a:off x="6779105" y="2316480"/>
+          <a:ext cx="5263960" cy="741680"/>
+        </p:xfrm>
+        <a:graphic>
+          <a:graphicData uri="http://schemas.openxmlformats.org/drawingml/2006/table">
+            <a:tbl>
+              <a:tblPr firstRow="1" bandRow="1">
+                <a:tableStyleId>{5C22544A-7EE6-4342-B048-85BDC9FD1C3A}</a:tableStyleId>
+              </a:tblPr>
+              <a:tblGrid>
+                <a:gridCol w="1052792">
+                  <a:extLst>
+                    <a:ext uri="{9D8B030D-6E8A-4147-A177-3AD203B41FA5}">
+                      <a16:colId xmlns:a16="http://schemas.microsoft.com/office/drawing/2014/main" val="1908220238"/>
+                    </a:ext>
+                  </a:extLst>
+                </a:gridCol>
+                <a:gridCol w="854903">
+                  <a:extLst>
+                    <a:ext uri="{9D8B030D-6E8A-4147-A177-3AD203B41FA5}">
+                      <a16:colId xmlns:a16="http://schemas.microsoft.com/office/drawing/2014/main" val="571453899"/>
+                    </a:ext>
+                  </a:extLst>
+                </a:gridCol>
+                <a:gridCol w="1250681">
+                  <a:extLst>
+                    <a:ext uri="{9D8B030D-6E8A-4147-A177-3AD203B41FA5}">
+                      <a16:colId xmlns:a16="http://schemas.microsoft.com/office/drawing/2014/main" val="1255114653"/>
+                    </a:ext>
+                  </a:extLst>
+                </a:gridCol>
+                <a:gridCol w="1052792">
+                  <a:extLst>
+                    <a:ext uri="{9D8B030D-6E8A-4147-A177-3AD203B41FA5}">
+                      <a16:colId xmlns:a16="http://schemas.microsoft.com/office/drawing/2014/main" val="1814237268"/>
+                    </a:ext>
+                  </a:extLst>
+                </a:gridCol>
+                <a:gridCol w="1052792">
+                  <a:extLst>
+                    <a:ext uri="{9D8B030D-6E8A-4147-A177-3AD203B41FA5}">
+                      <a16:colId xmlns:a16="http://schemas.microsoft.com/office/drawing/2014/main" val="1175246725"/>
+                    </a:ext>
+                  </a:extLst>
+                </a:gridCol>
+              </a:tblGrid>
+              <a:tr h="370840">
+                <a:tc>
+                  <a:txBody>
+                    <a:bodyPr/>
+                    <a:lstStyle/>
+                    <a:p>
+                      <a:r>
+                        <a:rPr lang="en-US" dirty="0"/>
+                        <a:t>Emp Id</a:t>
+                      </a:r>
+                    </a:p>
+                  </a:txBody>
+                  <a:tcPr/>
+                </a:tc>
+                <a:tc>
+                  <a:txBody>
+                    <a:bodyPr/>
+                    <a:lstStyle/>
+                    <a:p>
+                      <a:r>
+                        <a:rPr lang="en-US" dirty="0"/>
+                        <a:t>Name </a:t>
+                      </a:r>
+                    </a:p>
+                  </a:txBody>
+                  <a:tcPr/>
+                </a:tc>
+                <a:tc>
+                  <a:txBody>
+                    <a:bodyPr/>
+                    <a:lstStyle/>
+                    <a:p>
+                      <a:r>
+                        <a:rPr lang="en-US" dirty="0"/>
+                        <a:t>Role</a:t>
+                      </a:r>
+                    </a:p>
+                  </a:txBody>
+                  <a:tcPr/>
+                </a:tc>
+                <a:tc>
+                  <a:txBody>
+                    <a:bodyPr/>
+                    <a:lstStyle/>
+                    <a:p>
+                      <a:r>
+                        <a:rPr lang="en-US" dirty="0"/>
+                        <a:t>Emp Id</a:t>
+                      </a:r>
+                    </a:p>
+                  </a:txBody>
+                  <a:tcPr/>
+                </a:tc>
+                <a:tc>
+                  <a:txBody>
+                    <a:bodyPr/>
+                    <a:lstStyle/>
+                    <a:p>
+                      <a:r>
+                        <a:rPr lang="en-US" dirty="0"/>
+                        <a:t>Salary</a:t>
+                      </a:r>
+                    </a:p>
+                  </a:txBody>
+                  <a:tcPr/>
+                </a:tc>
+                <a:extLst>
+                  <a:ext uri="{0D108BD9-81ED-4DB2-BD59-A6C34878D82A}">
+                    <a16:rowId xmlns:a16="http://schemas.microsoft.com/office/drawing/2014/main" val="1484273071"/>
+                  </a:ext>
+                </a:extLst>
+              </a:tr>
+              <a:tr h="370840">
+                <a:tc>
+                  <a:txBody>
+                    <a:bodyPr/>
+                    <a:lstStyle/>
+                    <a:p>
+                      <a:r>
+                        <a:rPr lang="en-US" dirty="0"/>
+                        <a:t>1</a:t>
+                      </a:r>
+                    </a:p>
+                  </a:txBody>
+                  <a:tcPr/>
+                </a:tc>
+                <a:tc>
+                  <a:txBody>
+                    <a:bodyPr/>
+                    <a:lstStyle/>
+                    <a:p>
+                      <a:r>
+                        <a:rPr lang="en-US" dirty="0"/>
+                        <a:t>a</a:t>
+                      </a:r>
+                    </a:p>
+                  </a:txBody>
+                  <a:tcPr/>
+                </a:tc>
+                <a:tc>
+                  <a:txBody>
+                    <a:bodyPr/>
+                    <a:lstStyle/>
+                    <a:p>
+                      <a:r>
+                        <a:rPr lang="en-US" dirty="0"/>
+                        <a:t>Developer</a:t>
+                      </a:r>
+                    </a:p>
+                  </a:txBody>
+                  <a:tcPr/>
+                </a:tc>
+                <a:tc>
+                  <a:txBody>
+                    <a:bodyPr/>
+                    <a:lstStyle/>
+                    <a:p>
+                      <a:r>
+                        <a:rPr lang="en-US" dirty="0"/>
+                        <a:t>1</a:t>
+                      </a:r>
+                    </a:p>
+                  </a:txBody>
+                  <a:tcPr/>
+                </a:tc>
+                <a:tc>
+                  <a:txBody>
+                    <a:bodyPr/>
+                    <a:lstStyle/>
+                    <a:p>
+                      <a:r>
+                        <a:rPr lang="en-US" dirty="0"/>
+                        <a:t>50000</a:t>
+                      </a:r>
+                    </a:p>
+                  </a:txBody>
+                  <a:tcPr/>
+                </a:tc>
+                <a:extLst>
+                  <a:ext uri="{0D108BD9-81ED-4DB2-BD59-A6C34878D82A}">
+                    <a16:rowId xmlns:a16="http://schemas.microsoft.com/office/drawing/2014/main" val="2874358861"/>
+                  </a:ext>
+                </a:extLst>
+              </a:tr>
+            </a:tbl>
+          </a:graphicData>
+        </a:graphic>
+      </p:graphicFrame>
     </p:spTree>
     <p:extLst>
       <p:ext uri="{BB962C8B-B14F-4D97-AF65-F5344CB8AC3E}">
@@ -9064,7 +9497,7 @@
 </p:sld>
 </file>
 
-<file path=ppt/slides/slide26.xml><?xml version="1.0" encoding="utf-8"?>
+<file path=ppt/slides/slide25.xml><?xml version="1.0" encoding="utf-8"?>
 <p:sld xmlns:a="http://schemas.openxmlformats.org/drawingml/2006/main" xmlns:r="http://schemas.openxmlformats.org/officeDocument/2006/relationships" xmlns:p="http://schemas.openxmlformats.org/presentationml/2006/main">
   <p:cSld>
     <p:bg>
@@ -9326,6 +9759,92 @@
 </p:sld>
 </file>
 
+<file path=ppt/slides/slide26.xml><?xml version="1.0" encoding="utf-8"?>
+<p:sld xmlns:a="http://schemas.openxmlformats.org/drawingml/2006/main" xmlns:r="http://schemas.openxmlformats.org/officeDocument/2006/relationships" xmlns:p="http://schemas.openxmlformats.org/presentationml/2006/main">
+  <p:cSld>
+    <p:spTree>
+      <p:nvGrpSpPr>
+        <p:cNvPr id="1" name=""/>
+        <p:cNvGrpSpPr/>
+        <p:nvPr/>
+      </p:nvGrpSpPr>
+      <p:grpSpPr>
+        <a:xfrm>
+          <a:off x="0" y="0"/>
+          <a:ext cx="0" cy="0"/>
+          <a:chOff x="0" y="0"/>
+          <a:chExt cx="0" cy="0"/>
+        </a:xfrm>
+      </p:grpSpPr>
+      <p:sp>
+        <p:nvSpPr>
+          <p:cNvPr id="2" name="Title 1">
+            <a:extLst>
+              <a:ext uri="{FF2B5EF4-FFF2-40B4-BE49-F238E27FC236}">
+                <a16:creationId xmlns:a16="http://schemas.microsoft.com/office/drawing/2014/main" id="{64A1391E-9038-42E8-9C05-FA9A6FBDE32A}"/>
+              </a:ext>
+            </a:extLst>
+          </p:cNvPr>
+          <p:cNvSpPr>
+            <a:spLocks noGrp="1"/>
+          </p:cNvSpPr>
+          <p:nvPr>
+            <p:ph type="title"/>
+          </p:nvPr>
+        </p:nvSpPr>
+        <p:spPr/>
+        <p:txBody>
+          <a:bodyPr/>
+          <a:lstStyle/>
+          <a:p>
+            <a:r>
+              <a:rPr lang="en-US" dirty="0"/>
+              <a:t>Question 8</a:t>
+            </a:r>
+          </a:p>
+        </p:txBody>
+      </p:sp>
+      <p:sp>
+        <p:nvSpPr>
+          <p:cNvPr id="3" name="Content Placeholder 2">
+            <a:extLst>
+              <a:ext uri="{FF2B5EF4-FFF2-40B4-BE49-F238E27FC236}">
+                <a16:creationId xmlns:a16="http://schemas.microsoft.com/office/drawing/2014/main" id="{0DD5D95D-FAD3-44D6-8209-10D47D20FA2D}"/>
+              </a:ext>
+            </a:extLst>
+          </p:cNvPr>
+          <p:cNvSpPr>
+            <a:spLocks noGrp="1"/>
+          </p:cNvSpPr>
+          <p:nvPr>
+            <p:ph idx="1"/>
+          </p:nvPr>
+        </p:nvSpPr>
+        <p:spPr/>
+        <p:txBody>
+          <a:bodyPr/>
+          <a:lstStyle/>
+          <a:p>
+            <a:r>
+              <a:rPr lang="en-US" dirty="0"/>
+              <a:t>Select employee details who earn learn less than 100000 and have a bonus greater than 3000</a:t>
+            </a:r>
+          </a:p>
+        </p:txBody>
+      </p:sp>
+    </p:spTree>
+    <p:extLst>
+      <p:ext uri="{BB962C8B-B14F-4D97-AF65-F5344CB8AC3E}">
+        <p14:creationId xmlns:p14="http://schemas.microsoft.com/office/powerpoint/2010/main" val="1159241090"/>
+      </p:ext>
+    </p:extLst>
+  </p:cSld>
+  <p:clrMapOvr>
+    <a:masterClrMapping/>
+  </p:clrMapOvr>
+</p:sld>
+</file>
+
 <file path=ppt/slides/slide27.xml><?xml version="1.0" encoding="utf-8"?>
 <p:sld xmlns:a="http://schemas.openxmlformats.org/drawingml/2006/main" xmlns:r="http://schemas.openxmlformats.org/officeDocument/2006/relationships" xmlns:p="http://schemas.openxmlformats.org/presentationml/2006/main">
   <p:cSld>
@@ -9348,7 +9867,7 @@
           <p:cNvPr id="2" name="Title 1">
             <a:extLst>
               <a:ext uri="{FF2B5EF4-FFF2-40B4-BE49-F238E27FC236}">
-                <a16:creationId xmlns:a16="http://schemas.microsoft.com/office/drawing/2014/main" id="{64A1391E-9038-42E8-9C05-FA9A6FBDE32A}"/>
+                <a16:creationId xmlns:a16="http://schemas.microsoft.com/office/drawing/2014/main" id="{14278230-68CF-4B6C-B514-0AC4786D9914}"/>
               </a:ext>
             </a:extLst>
           </p:cNvPr>
@@ -9366,7 +9885,7 @@
           <a:p>
             <a:r>
               <a:rPr lang="en-US" dirty="0"/>
-              <a:t>Question 8</a:t>
+              <a:t>			   Nested Queries</a:t>
             </a:r>
           </a:p>
         </p:txBody>
@@ -9376,7 +9895,7 @@
           <p:cNvPr id="3" name="Content Placeholder 2">
             <a:extLst>
               <a:ext uri="{FF2B5EF4-FFF2-40B4-BE49-F238E27FC236}">
-                <a16:creationId xmlns:a16="http://schemas.microsoft.com/office/drawing/2014/main" id="{0DD5D95D-FAD3-44D6-8209-10D47D20FA2D}"/>
+                <a16:creationId xmlns:a16="http://schemas.microsoft.com/office/drawing/2014/main" id="{898E4B8B-F953-4BBC-93E4-3804E6F0A37F}"/>
               </a:ext>
             </a:extLst>
           </p:cNvPr>
@@ -9389,12 +9908,139 @@
         </p:nvSpPr>
         <p:spPr/>
         <p:txBody>
-          <a:bodyPr/>
+          <a:bodyPr>
+            <a:normAutofit lnSpcReduction="10000"/>
+          </a:bodyPr>
           <a:lstStyle/>
           <a:p>
             <a:r>
               <a:rPr lang="en-US" dirty="0"/>
-              <a:t>Select employee details who earn learn less than 100000 and have a bonus greater than 3000</a:t>
+              <a:t>Use result from a query to make another query!</a:t>
+            </a:r>
+          </a:p>
+          <a:p>
+            <a:endParaRPr lang="en-US" dirty="0"/>
+          </a:p>
+          <a:p>
+            <a:pPr marL="0" indent="0">
+              <a:buNone/>
+            </a:pPr>
+            <a:r>
+              <a:rPr lang="en-US" dirty="0" err="1"/>
+              <a:t>eg</a:t>
+            </a:r>
+            <a:r>
+              <a:rPr lang="en-US" dirty="0"/>
+              <a:t>: </a:t>
+            </a:r>
+          </a:p>
+          <a:p>
+            <a:pPr marL="0" indent="0">
+              <a:buNone/>
+            </a:pPr>
+            <a:r>
+              <a:rPr lang="en-US" dirty="0"/>
+              <a:t>select </a:t>
+            </a:r>
+            <a:r>
+              <a:rPr lang="en-US" dirty="0" err="1"/>
+              <a:t>w.WORKER_ID</a:t>
+            </a:r>
+            <a:r>
+              <a:rPr lang="en-US" dirty="0"/>
+              <a:t>, </a:t>
+            </a:r>
+            <a:r>
+              <a:rPr lang="en-US" dirty="0" err="1"/>
+              <a:t>w.FIRST_NAME</a:t>
+            </a:r>
+            <a:r>
+              <a:rPr lang="en-US" dirty="0"/>
+              <a:t>, </a:t>
+            </a:r>
+            <a:r>
+              <a:rPr lang="en-US" dirty="0" err="1"/>
+              <a:t>w.LAST_NAME</a:t>
+            </a:r>
+            <a:r>
+              <a:rPr lang="en-US" dirty="0"/>
+              <a:t>, </a:t>
+            </a:r>
+            <a:r>
+              <a:rPr lang="en-US" dirty="0" err="1"/>
+              <a:t>w.department,w.SALARY</a:t>
+            </a:r>
+            <a:r>
+              <a:rPr lang="en-US" dirty="0"/>
+              <a:t> </a:t>
+            </a:r>
+          </a:p>
+          <a:p>
+            <a:pPr marL="0" indent="0">
+              <a:buNone/>
+            </a:pPr>
+            <a:r>
+              <a:rPr lang="en-US" dirty="0"/>
+              <a:t>from worker w</a:t>
+            </a:r>
+          </a:p>
+          <a:p>
+            <a:pPr marL="0" indent="0">
+              <a:buNone/>
+            </a:pPr>
+            <a:r>
+              <a:rPr lang="en-US" dirty="0"/>
+              <a:t>where </a:t>
+            </a:r>
+            <a:r>
+              <a:rPr lang="en-US" dirty="0" err="1"/>
+              <a:t>w.worker_id</a:t>
+            </a:r>
+            <a:r>
+              <a:rPr lang="en-US" dirty="0"/>
+              <a:t> in (</a:t>
+            </a:r>
+          </a:p>
+          <a:p>
+            <a:pPr marL="0" indent="0">
+              <a:buNone/>
+            </a:pPr>
+            <a:r>
+              <a:rPr lang="en-US" dirty="0"/>
+              <a:t>select </a:t>
+            </a:r>
+            <a:r>
+              <a:rPr lang="en-US" dirty="0" err="1"/>
+              <a:t>b.WORKER_ref_ID</a:t>
+            </a:r>
+            <a:r>
+              <a:rPr lang="en-US" dirty="0"/>
+              <a:t> from bonus b where </a:t>
+            </a:r>
+            <a:r>
+              <a:rPr lang="en-US" dirty="0" err="1"/>
+              <a:t>bonus_amount</a:t>
+            </a:r>
+            <a:r>
+              <a:rPr lang="en-US" dirty="0"/>
+              <a:t>&gt;3000)</a:t>
+            </a:r>
+          </a:p>
+          <a:p>
+            <a:pPr marL="0" indent="0">
+              <a:buNone/>
+            </a:pPr>
+            <a:r>
+              <a:rPr lang="en-US" dirty="0"/>
+              <a:t> and </a:t>
+            </a:r>
+            <a:r>
+              <a:rPr lang="en-US" dirty="0" err="1"/>
+              <a:t>worker.department</a:t>
+            </a:r>
+            <a:r>
+              <a:rPr lang="en-US" dirty="0"/>
+              <a:t> = 'HR';</a:t>
             </a:r>
           </a:p>
         </p:txBody>
@@ -9402,7 +10048,7 @@
     </p:spTree>
     <p:extLst>
       <p:ext uri="{BB962C8B-B14F-4D97-AF65-F5344CB8AC3E}">
-        <p14:creationId xmlns:p14="http://schemas.microsoft.com/office/powerpoint/2010/main" val="1159241090"/>
+        <p14:creationId xmlns:p14="http://schemas.microsoft.com/office/powerpoint/2010/main" val="3418581535"/>
       </p:ext>
     </p:extLst>
   </p:cSld>
@@ -9434,7 +10080,7 @@
           <p:cNvPr id="2" name="Title 1">
             <a:extLst>
               <a:ext uri="{FF2B5EF4-FFF2-40B4-BE49-F238E27FC236}">
-                <a16:creationId xmlns:a16="http://schemas.microsoft.com/office/drawing/2014/main" id="{14278230-68CF-4B6C-B514-0AC4786D9914}"/>
+                <a16:creationId xmlns:a16="http://schemas.microsoft.com/office/drawing/2014/main" id="{D3C409FC-3917-4D93-AD12-E72E81B2F592}"/>
               </a:ext>
             </a:extLst>
           </p:cNvPr>
@@ -9452,7 +10098,7 @@
           <a:p>
             <a:r>
               <a:rPr lang="en-US" dirty="0"/>
-              <a:t>			   Nested Queries</a:t>
+              <a:t>Questions	</a:t>
             </a:r>
           </a:p>
         </p:txBody>
@@ -9462,7 +10108,7 @@
           <p:cNvPr id="3" name="Content Placeholder 2">
             <a:extLst>
               <a:ext uri="{FF2B5EF4-FFF2-40B4-BE49-F238E27FC236}">
-                <a16:creationId xmlns:a16="http://schemas.microsoft.com/office/drawing/2014/main" id="{898E4B8B-F953-4BBC-93E4-3804E6F0A37F}"/>
+                <a16:creationId xmlns:a16="http://schemas.microsoft.com/office/drawing/2014/main" id="{53F00E15-B660-43CC-AE06-B048FBF8E0A2}"/>
               </a:ext>
             </a:extLst>
           </p:cNvPr>
@@ -9476,29 +10122,46 @@
         <p:spPr/>
         <p:txBody>
           <a:bodyPr>
-            <a:normAutofit lnSpcReduction="10000"/>
+            <a:normAutofit/>
           </a:bodyPr>
           <a:lstStyle/>
           <a:p>
             <a:r>
               <a:rPr lang="en-US" dirty="0"/>
-              <a:t>Use result from a query to make another query!</a:t>
-            </a:r>
-          </a:p>
-          <a:p>
-            <a:endParaRPr lang="en-US" dirty="0"/>
+              <a:t>Q9</a:t>
+            </a:r>
           </a:p>
           <a:p>
             <a:pPr marL="0" indent="0">
               <a:buNone/>
             </a:pPr>
             <a:r>
+              <a:rPr lang="en-US" dirty="0"/>
+              <a:t>Select the employee </a:t>
+            </a:r>
+            <a:r>
               <a:rPr lang="en-US" dirty="0" err="1"/>
-              <a:t>eg</a:t>
-            </a:r>
-            <a:r>
-              <a:rPr lang="en-US" dirty="0"/>
-              <a:t>: </a:t>
+              <a:t>first_name</a:t>
+            </a:r>
+            <a:r>
+              <a:rPr lang="en-US" dirty="0"/>
+              <a:t>, </a:t>
+            </a:r>
+            <a:r>
+              <a:rPr lang="en-US" dirty="0" err="1"/>
+              <a:t>last_name</a:t>
+            </a:r>
+            <a:r>
+              <a:rPr lang="en-US" dirty="0"/>
+              <a:t>, salary and department of person who received the max bonus in 6</a:t>
+            </a:r>
+            <a:r>
+              <a:rPr lang="en-US" baseline="30000" dirty="0"/>
+              <a:t>th</a:t>
+            </a:r>
+            <a:r>
+              <a:rPr lang="en-US" dirty="0"/>
+              <a:t> month of 2016.</a:t>
             </a:r>
           </a:p>
           <a:p>
@@ -9507,107 +10170,7 @@
             </a:pPr>
             <a:r>
               <a:rPr lang="en-US" dirty="0"/>
-              <a:t>select </a:t>
-            </a:r>
-            <a:r>
-              <a:rPr lang="en-US" dirty="0" err="1"/>
-              <a:t>w.WORKER_ID</a:t>
-            </a:r>
-            <a:r>
-              <a:rPr lang="en-US" dirty="0"/>
-              <a:t>, </a:t>
-            </a:r>
-            <a:r>
-              <a:rPr lang="en-US" dirty="0" err="1"/>
-              <a:t>w.FIRST_NAME</a:t>
-            </a:r>
-            <a:r>
-              <a:rPr lang="en-US" dirty="0"/>
-              <a:t>, </a:t>
-            </a:r>
-            <a:r>
-              <a:rPr lang="en-US" dirty="0" err="1"/>
-              <a:t>w.LAST_NAME</a:t>
-            </a:r>
-            <a:r>
-              <a:rPr lang="en-US" dirty="0"/>
-              <a:t>, </a:t>
-            </a:r>
-            <a:r>
-              <a:rPr lang="en-US" dirty="0" err="1"/>
-              <a:t>w.department,w.SALARY</a:t>
-            </a:r>
-            <a:r>
-              <a:rPr lang="en-US" dirty="0"/>
-              <a:t> </a:t>
-            </a:r>
-          </a:p>
-          <a:p>
-            <a:pPr marL="0" indent="0">
-              <a:buNone/>
-            </a:pPr>
-            <a:r>
-              <a:rPr lang="en-US" dirty="0"/>
-              <a:t>from worker w</a:t>
-            </a:r>
-          </a:p>
-          <a:p>
-            <a:pPr marL="0" indent="0">
-              <a:buNone/>
-            </a:pPr>
-            <a:r>
-              <a:rPr lang="en-US" dirty="0"/>
-              <a:t>where </a:t>
-            </a:r>
-            <a:r>
-              <a:rPr lang="en-US" dirty="0" err="1"/>
-              <a:t>w.worker_id</a:t>
-            </a:r>
-            <a:r>
-              <a:rPr lang="en-US" dirty="0"/>
-              <a:t> in (</a:t>
-            </a:r>
-          </a:p>
-          <a:p>
-            <a:pPr marL="0" indent="0">
-              <a:buNone/>
-            </a:pPr>
-            <a:r>
-              <a:rPr lang="en-US" dirty="0"/>
-              <a:t>select </a:t>
-            </a:r>
-            <a:r>
-              <a:rPr lang="en-US" dirty="0" err="1"/>
-              <a:t>b.WORKER_ref_ID</a:t>
-            </a:r>
-            <a:r>
-              <a:rPr lang="en-US" dirty="0"/>
-              <a:t> from bonus b where </a:t>
-            </a:r>
-            <a:r>
-              <a:rPr lang="en-US" dirty="0" err="1"/>
-              <a:t>bonus_amount</a:t>
-            </a:r>
-            <a:r>
-              <a:rPr lang="en-US" dirty="0"/>
-              <a:t>&gt;3000)</a:t>
-            </a:r>
-          </a:p>
-          <a:p>
-            <a:pPr marL="0" indent="0">
-              <a:buNone/>
-            </a:pPr>
-            <a:r>
-              <a:rPr lang="en-US" dirty="0"/>
-              <a:t> and </a:t>
-            </a:r>
-            <a:r>
-              <a:rPr lang="en-US" dirty="0" err="1"/>
-              <a:t>worker.department</a:t>
-            </a:r>
-            <a:r>
-              <a:rPr lang="en-US" dirty="0"/>
-              <a:t> = 'HR';</a:t>
+              <a:t>Hint: The details related to Niharika Verma should get extracted from Worker table.</a:t>
             </a:r>
           </a:p>
         </p:txBody>
@@ -9615,7 +10178,7 @@
     </p:spTree>
     <p:extLst>
       <p:ext uri="{BB962C8B-B14F-4D97-AF65-F5344CB8AC3E}">
-        <p14:creationId xmlns:p14="http://schemas.microsoft.com/office/powerpoint/2010/main" val="3418581535"/>
+        <p14:creationId xmlns:p14="http://schemas.microsoft.com/office/powerpoint/2010/main" val="1968556645"/>
       </p:ext>
     </p:extLst>
   </p:cSld>
@@ -9647,7 +10210,7 @@
           <p:cNvPr id="2" name="Title 1">
             <a:extLst>
               <a:ext uri="{FF2B5EF4-FFF2-40B4-BE49-F238E27FC236}">
-                <a16:creationId xmlns:a16="http://schemas.microsoft.com/office/drawing/2014/main" id="{D3C409FC-3917-4D93-AD12-E72E81B2F592}"/>
+                <a16:creationId xmlns:a16="http://schemas.microsoft.com/office/drawing/2014/main" id="{EB4A178B-DB5D-4414-8461-A8837579E9E6}"/>
               </a:ext>
             </a:extLst>
           </p:cNvPr>
@@ -9665,7 +10228,7 @@
           <a:p>
             <a:r>
               <a:rPr lang="en-US" dirty="0"/>
-              <a:t>Questions	</a:t>
+              <a:t>				Case</a:t>
             </a:r>
           </a:p>
         </p:txBody>
@@ -9675,7 +10238,7 @@
           <p:cNvPr id="3" name="Content Placeholder 2">
             <a:extLst>
               <a:ext uri="{FF2B5EF4-FFF2-40B4-BE49-F238E27FC236}">
-                <a16:creationId xmlns:a16="http://schemas.microsoft.com/office/drawing/2014/main" id="{53F00E15-B660-43CC-AE06-B048FBF8E0A2}"/>
+                <a16:creationId xmlns:a16="http://schemas.microsoft.com/office/drawing/2014/main" id="{9BDFE31B-1DDD-4D6C-AC98-8B388D54FE16}"/>
               </a:ext>
             </a:extLst>
           </p:cNvPr>
@@ -9689,14 +10252,17 @@
         <p:spPr/>
         <p:txBody>
           <a:bodyPr>
-            <a:normAutofit/>
+            <a:normAutofit fontScale="92500" lnSpcReduction="20000"/>
           </a:bodyPr>
           <a:lstStyle/>
           <a:p>
             <a:r>
               <a:rPr lang="en-US" dirty="0"/>
-              <a:t>Q9</a:t>
-            </a:r>
+              <a:t>Adds the functionality of if else condition or switch cases from normal programming.</a:t>
+            </a:r>
+          </a:p>
+          <a:p>
+            <a:endParaRPr lang="en-US" dirty="0"/>
           </a:p>
           <a:p>
             <a:pPr marL="0" indent="0">
@@ -9704,40 +10270,76 @@
             </a:pPr>
             <a:r>
               <a:rPr lang="en-US" dirty="0"/>
-              <a:t>Select the employee </a:t>
+              <a:t>Syntax: case when </a:t>
             </a:r>
             <a:r>
               <a:rPr lang="en-US" dirty="0" err="1"/>
-              <a:t>first_name</a:t>
-            </a:r>
-            <a:r>
-              <a:rPr lang="en-US" dirty="0"/>
-              <a:t>, </a:t>
+              <a:t>some_col</a:t>
+            </a:r>
+            <a:r>
+              <a:rPr lang="en-US" dirty="0"/>
+              <a:t> &lt; </a:t>
             </a:r>
             <a:r>
               <a:rPr lang="en-US" dirty="0" err="1"/>
-              <a:t>last_name</a:t>
-            </a:r>
-            <a:r>
-              <a:rPr lang="en-US" dirty="0"/>
-              <a:t>, salary and department of person who received the max bonus in 6</a:t>
-            </a:r>
-            <a:r>
-              <a:rPr lang="en-US" baseline="30000" dirty="0"/>
-              <a:t>th</a:t>
-            </a:r>
-            <a:r>
-              <a:rPr lang="en-US" dirty="0"/>
-              <a:t> month of 2016.</a:t>
-            </a:r>
+              <a:t>val</a:t>
+            </a:r>
+            <a:r>
+              <a:rPr lang="en-US" dirty="0"/>
+              <a:t> then ‘a’ else ‘b’ end as </a:t>
+            </a:r>
+            <a:r>
+              <a:rPr lang="en-US" dirty="0" err="1"/>
+              <a:t>some_name</a:t>
+            </a:r>
+            <a:endParaRPr lang="en-US" dirty="0"/>
+          </a:p>
+          <a:p>
+            <a:endParaRPr lang="en-US" dirty="0"/>
           </a:p>
           <a:p>
             <a:pPr marL="0" indent="0">
               <a:buNone/>
             </a:pPr>
             <a:r>
-              <a:rPr lang="en-US" dirty="0"/>
-              <a:t>Hint: The details related to Niharika Verma should get extracted from Worker table.</a:t>
+              <a:rPr lang="en-US" dirty="0" err="1"/>
+              <a:t>Eg</a:t>
+            </a:r>
+            <a:r>
+              <a:rPr lang="en-US" dirty="0"/>
+              <a:t>: select name, salary, case when salary&gt;100000 then ‘well paid’ else ‘under paid’ end as cat from worker;</a:t>
+            </a:r>
+          </a:p>
+          <a:p>
+            <a:pPr marL="0" indent="0">
+              <a:buNone/>
+            </a:pPr>
+            <a:endParaRPr lang="en-US" dirty="0"/>
+          </a:p>
+          <a:p>
+            <a:pPr marL="0" indent="0">
+              <a:buNone/>
+            </a:pPr>
+            <a:r>
+              <a:rPr lang="en-US" b="1" dirty="0"/>
+              <a:t>Question</a:t>
+            </a:r>
+          </a:p>
+          <a:p>
+            <a:pPr marL="0" indent="0">
+              <a:buNone/>
+            </a:pPr>
+            <a:r>
+              <a:rPr lang="en-US" dirty="0"/>
+              <a:t>Select Yes for compensated if </a:t>
+            </a:r>
+            <a:r>
+              <a:rPr lang="en-US" dirty="0" err="1"/>
+              <a:t>bonus_amount</a:t>
+            </a:r>
+            <a:r>
+              <a:rPr lang="en-US" dirty="0"/>
+              <a:t> &gt;5000 else No from bonus table.</a:t>
             </a:r>
           </a:p>
         </p:txBody>
@@ -9745,7 +10347,7 @@
     </p:spTree>
     <p:extLst>
       <p:ext uri="{BB962C8B-B14F-4D97-AF65-F5344CB8AC3E}">
-        <p14:creationId xmlns:p14="http://schemas.microsoft.com/office/powerpoint/2010/main" val="1968556645"/>
+        <p14:creationId xmlns:p14="http://schemas.microsoft.com/office/powerpoint/2010/main" val="1054084267"/>
       </p:ext>
     </p:extLst>
   </p:cSld>
@@ -10359,156 +10961,6 @@
           <p:cNvPr id="2" name="Title 1">
             <a:extLst>
               <a:ext uri="{FF2B5EF4-FFF2-40B4-BE49-F238E27FC236}">
-                <a16:creationId xmlns:a16="http://schemas.microsoft.com/office/drawing/2014/main" id="{EB4A178B-DB5D-4414-8461-A8837579E9E6}"/>
-              </a:ext>
-            </a:extLst>
-          </p:cNvPr>
-          <p:cNvSpPr>
-            <a:spLocks noGrp="1"/>
-          </p:cNvSpPr>
-          <p:nvPr>
-            <p:ph type="title"/>
-          </p:nvPr>
-        </p:nvSpPr>
-        <p:spPr/>
-        <p:txBody>
-          <a:bodyPr/>
-          <a:lstStyle/>
-          <a:p>
-            <a:r>
-              <a:rPr lang="en-US" dirty="0"/>
-              <a:t>				Case</a:t>
-            </a:r>
-          </a:p>
-        </p:txBody>
-      </p:sp>
-      <p:sp>
-        <p:nvSpPr>
-          <p:cNvPr id="3" name="Content Placeholder 2">
-            <a:extLst>
-              <a:ext uri="{FF2B5EF4-FFF2-40B4-BE49-F238E27FC236}">
-                <a16:creationId xmlns:a16="http://schemas.microsoft.com/office/drawing/2014/main" id="{9BDFE31B-1DDD-4D6C-AC98-8B388D54FE16}"/>
-              </a:ext>
-            </a:extLst>
-          </p:cNvPr>
-          <p:cNvSpPr>
-            <a:spLocks noGrp="1"/>
-          </p:cNvSpPr>
-          <p:nvPr>
-            <p:ph idx="1"/>
-          </p:nvPr>
-        </p:nvSpPr>
-        <p:spPr/>
-        <p:txBody>
-          <a:bodyPr>
-            <a:normAutofit/>
-          </a:bodyPr>
-          <a:lstStyle/>
-          <a:p>
-            <a:r>
-              <a:rPr lang="en-US" dirty="0"/>
-              <a:t>Adds the functionality of if else condition or switch cases from normal programming.</a:t>
-            </a:r>
-          </a:p>
-          <a:p>
-            <a:endParaRPr lang="en-US" dirty="0"/>
-          </a:p>
-          <a:p>
-            <a:endParaRPr lang="en-US" dirty="0"/>
-          </a:p>
-          <a:p>
-            <a:r>
-              <a:rPr lang="en-US" dirty="0"/>
-              <a:t>case when </a:t>
-            </a:r>
-            <a:r>
-              <a:rPr lang="en-US" dirty="0" err="1"/>
-              <a:t>some_col</a:t>
-            </a:r>
-            <a:r>
-              <a:rPr lang="en-US" dirty="0"/>
-              <a:t> &lt; </a:t>
-            </a:r>
-            <a:r>
-              <a:rPr lang="en-US" dirty="0" err="1"/>
-              <a:t>val</a:t>
-            </a:r>
-            <a:r>
-              <a:rPr lang="en-US" dirty="0"/>
-              <a:t> then ‘a’ else ‘b’ end as </a:t>
-            </a:r>
-            <a:r>
-              <a:rPr lang="en-US" dirty="0" err="1"/>
-              <a:t>some_name</a:t>
-            </a:r>
-            <a:endParaRPr lang="en-US" dirty="0"/>
-          </a:p>
-          <a:p>
-            <a:endParaRPr lang="en-US" dirty="0"/>
-          </a:p>
-          <a:p>
-            <a:pPr marL="0" indent="0">
-              <a:buNone/>
-            </a:pPr>
-            <a:r>
-              <a:rPr lang="en-US" b="1" dirty="0"/>
-              <a:t>Question</a:t>
-            </a:r>
-          </a:p>
-          <a:p>
-            <a:pPr marL="0" indent="0">
-              <a:buNone/>
-            </a:pPr>
-            <a:r>
-              <a:rPr lang="en-US" dirty="0"/>
-              <a:t>Select Yes for compensated if </a:t>
-            </a:r>
-            <a:r>
-              <a:rPr lang="en-US" dirty="0" err="1"/>
-              <a:t>bonus_amount</a:t>
-            </a:r>
-            <a:r>
-              <a:rPr lang="en-US" dirty="0"/>
-              <a:t> &gt;5000 else No from bonus table.</a:t>
-            </a:r>
-          </a:p>
-        </p:txBody>
-      </p:sp>
-    </p:spTree>
-    <p:extLst>
-      <p:ext uri="{BB962C8B-B14F-4D97-AF65-F5344CB8AC3E}">
-        <p14:creationId xmlns:p14="http://schemas.microsoft.com/office/powerpoint/2010/main" val="1054084267"/>
-      </p:ext>
-    </p:extLst>
-  </p:cSld>
-  <p:clrMapOvr>
-    <a:masterClrMapping/>
-  </p:clrMapOvr>
-</p:sld>
-</file>
-
-<file path=ppt/slides/slide31.xml><?xml version="1.0" encoding="utf-8"?>
-<p:sld xmlns:a="http://schemas.openxmlformats.org/drawingml/2006/main" xmlns:r="http://schemas.openxmlformats.org/officeDocument/2006/relationships" xmlns:p="http://schemas.openxmlformats.org/presentationml/2006/main">
-  <p:cSld>
-    <p:spTree>
-      <p:nvGrpSpPr>
-        <p:cNvPr id="1" name=""/>
-        <p:cNvGrpSpPr/>
-        <p:nvPr/>
-      </p:nvGrpSpPr>
-      <p:grpSpPr>
-        <a:xfrm>
-          <a:off x="0" y="0"/>
-          <a:ext cx="0" cy="0"/>
-          <a:chOff x="0" y="0"/>
-          <a:chExt cx="0" cy="0"/>
-        </a:xfrm>
-      </p:grpSpPr>
-      <p:sp>
-        <p:nvSpPr>
-          <p:cNvPr id="2" name="Title 1">
-            <a:extLst>
-              <a:ext uri="{FF2B5EF4-FFF2-40B4-BE49-F238E27FC236}">
                 <a16:creationId xmlns:a16="http://schemas.microsoft.com/office/drawing/2014/main" id="{30C97D14-3F6A-4AAA-8A4D-E7CC1517082A}"/>
               </a:ext>
             </a:extLst>
@@ -10699,7 +11151,7 @@
 </p:sld>
 </file>
 
-<file path=ppt/slides/slide32.xml><?xml version="1.0" encoding="utf-8"?>
+<file path=ppt/slides/slide31.xml><?xml version="1.0" encoding="utf-8"?>
 <p:sld xmlns:a="http://schemas.openxmlformats.org/drawingml/2006/main" xmlns:r="http://schemas.openxmlformats.org/officeDocument/2006/relationships" xmlns:p="http://schemas.openxmlformats.org/presentationml/2006/main">
   <p:cSld>
     <p:bg>

--- a/week-2-sql/sql.pptx
+++ b/week-2-sql/sql.pptx
@@ -306,7 +306,7 @@
           <a:p>
             <a:fld id="{403AA948-B266-4642-840D-7453241ED0ED}" type="datetimeFigureOut">
               <a:rPr lang="en-US" smtClean="0"/>
-              <a:t>3/5/2021</a:t>
+              <a:t>3/7/2021</a:t>
             </a:fld>
             <a:endParaRPr lang="en-US"/>
           </a:p>
@@ -804,7 +804,7 @@
           <a:p>
             <a:fld id="{93044223-B2E0-4C94-A14D-CB1CD72990A5}" type="datetimeFigureOut">
               <a:rPr lang="en-US" smtClean="0"/>
-              <a:t>3/5/2021</a:t>
+              <a:t>3/7/2021</a:t>
             </a:fld>
             <a:endParaRPr lang="en-US"/>
           </a:p>
@@ -1002,7 +1002,7 @@
           <a:p>
             <a:fld id="{93044223-B2E0-4C94-A14D-CB1CD72990A5}" type="datetimeFigureOut">
               <a:rPr lang="en-US" smtClean="0"/>
-              <a:t>3/5/2021</a:t>
+              <a:t>3/7/2021</a:t>
             </a:fld>
             <a:endParaRPr lang="en-US"/>
           </a:p>
@@ -1210,7 +1210,7 @@
           <a:p>
             <a:fld id="{93044223-B2E0-4C94-A14D-CB1CD72990A5}" type="datetimeFigureOut">
               <a:rPr lang="en-US" smtClean="0"/>
-              <a:t>3/5/2021</a:t>
+              <a:t>3/7/2021</a:t>
             </a:fld>
             <a:endParaRPr lang="en-US"/>
           </a:p>
@@ -1408,7 +1408,7 @@
           <a:p>
             <a:fld id="{93044223-B2E0-4C94-A14D-CB1CD72990A5}" type="datetimeFigureOut">
               <a:rPr lang="en-US" smtClean="0"/>
-              <a:t>3/5/2021</a:t>
+              <a:t>3/7/2021</a:t>
             </a:fld>
             <a:endParaRPr lang="en-US"/>
           </a:p>
@@ -1683,7 +1683,7 @@
           <a:p>
             <a:fld id="{93044223-B2E0-4C94-A14D-CB1CD72990A5}" type="datetimeFigureOut">
               <a:rPr lang="en-US" smtClean="0"/>
-              <a:t>3/5/2021</a:t>
+              <a:t>3/7/2021</a:t>
             </a:fld>
             <a:endParaRPr lang="en-US"/>
           </a:p>
@@ -1948,7 +1948,7 @@
           <a:p>
             <a:fld id="{93044223-B2E0-4C94-A14D-CB1CD72990A5}" type="datetimeFigureOut">
               <a:rPr lang="en-US" smtClean="0"/>
-              <a:t>3/5/2021</a:t>
+              <a:t>3/7/2021</a:t>
             </a:fld>
             <a:endParaRPr lang="en-US"/>
           </a:p>
@@ -2360,7 +2360,7 @@
           <a:p>
             <a:fld id="{93044223-B2E0-4C94-A14D-CB1CD72990A5}" type="datetimeFigureOut">
               <a:rPr lang="en-US" smtClean="0"/>
-              <a:t>3/5/2021</a:t>
+              <a:t>3/7/2021</a:t>
             </a:fld>
             <a:endParaRPr lang="en-US"/>
           </a:p>
@@ -2501,7 +2501,7 @@
           <a:p>
             <a:fld id="{93044223-B2E0-4C94-A14D-CB1CD72990A5}" type="datetimeFigureOut">
               <a:rPr lang="en-US" smtClean="0"/>
-              <a:t>3/5/2021</a:t>
+              <a:t>3/7/2021</a:t>
             </a:fld>
             <a:endParaRPr lang="en-US"/>
           </a:p>
@@ -2614,7 +2614,7 @@
           <a:p>
             <a:fld id="{93044223-B2E0-4C94-A14D-CB1CD72990A5}" type="datetimeFigureOut">
               <a:rPr lang="en-US" smtClean="0"/>
-              <a:t>3/5/2021</a:t>
+              <a:t>3/7/2021</a:t>
             </a:fld>
             <a:endParaRPr lang="en-US"/>
           </a:p>
@@ -2925,7 +2925,7 @@
           <a:p>
             <a:fld id="{93044223-B2E0-4C94-A14D-CB1CD72990A5}" type="datetimeFigureOut">
               <a:rPr lang="en-US" smtClean="0"/>
-              <a:t>3/5/2021</a:t>
+              <a:t>3/7/2021</a:t>
             </a:fld>
             <a:endParaRPr lang="en-US"/>
           </a:p>
@@ -3213,7 +3213,7 @@
           <a:p>
             <a:fld id="{93044223-B2E0-4C94-A14D-CB1CD72990A5}" type="datetimeFigureOut">
               <a:rPr lang="en-US" smtClean="0"/>
-              <a:t>3/5/2021</a:t>
+              <a:t>3/7/2021</a:t>
             </a:fld>
             <a:endParaRPr lang="en-US"/>
           </a:p>
@@ -3454,7 +3454,7 @@
           <a:p>
             <a:fld id="{93044223-B2E0-4C94-A14D-CB1CD72990A5}" type="datetimeFigureOut">
               <a:rPr lang="en-US" smtClean="0"/>
-              <a:t>3/5/2021</a:t>
+              <a:t>3/7/2021</a:t>
             </a:fld>
             <a:endParaRPr lang="en-US"/>
           </a:p>
@@ -6626,18 +6626,27 @@
           <a:bodyPr/>
           <a:lstStyle/>
           <a:p>
-            <a:r>
-              <a:rPr lang="en-US" dirty="0"/>
-              <a:t>Question 1:</a:t>
-            </a:r>
-          </a:p>
-          <a:p>
             <a:pPr marL="0" indent="0">
               <a:buNone/>
             </a:pPr>
             <a:r>
-              <a:rPr lang="en-US" dirty="0"/>
-              <a:t>Select employees from worker table that belong to Admin Department and the result should be displayed in descending order of salary.</a:t>
+              <a:rPr lang="en-US" sz="3400" dirty="0"/>
+              <a:t>Question </a:t>
+            </a:r>
+          </a:p>
+          <a:p>
+            <a:pPr marL="0" indent="0">
+              <a:buNone/>
+            </a:pPr>
+            <a:endParaRPr lang="en-US" dirty="0"/>
+          </a:p>
+          <a:p>
+            <a:pPr marL="0" indent="0">
+              <a:buNone/>
+            </a:pPr>
+            <a:r>
+              <a:rPr lang="en-US" dirty="0"/>
+              <a:t>1. Select employees from worker table that belong to Admin Department and the result should be displayed in descending order of salary.</a:t>
             </a:r>
           </a:p>
         </p:txBody>
@@ -7431,7 +7440,7 @@
                   <a:srgbClr val="000000"/>
                 </a:solidFill>
               </a:rPr>
-              <a:t>SQL queries</a:t>
+              <a:t>CRUD Commands</a:t>
             </a:r>
           </a:p>
           <a:p>
@@ -7442,18 +7451,7 @@
                   <a:srgbClr val="000000"/>
                 </a:solidFill>
               </a:rPr>
-              <a:t>Instructions</a:t>
-            </a:r>
-          </a:p>
-          <a:p>
-            <a:pPr lvl="1"/>
-            <a:r>
-              <a:rPr lang="en-US" dirty="0">
-                <a:solidFill>
-                  <a:srgbClr val="000000"/>
-                </a:solidFill>
-              </a:rPr>
-              <a:t>CRUD Commands</a:t>
+              <a:t>SQL queries</a:t>
             </a:r>
           </a:p>
           <a:p>
@@ -7545,11 +7543,13 @@
         </p:nvSpPr>
         <p:spPr/>
         <p:txBody>
-          <a:bodyPr/>
+          <a:bodyPr>
+            <a:normAutofit/>
+          </a:bodyPr>
           <a:lstStyle/>
           <a:p>
             <a:r>
-              <a:rPr lang="en-US" dirty="0"/>
+              <a:rPr lang="en-US" sz="3400" dirty="0"/>
               <a:t>Questions</a:t>
             </a:r>
           </a:p>
@@ -7867,11 +7867,13 @@
         </p:nvSpPr>
         <p:spPr/>
         <p:txBody>
-          <a:bodyPr/>
+          <a:bodyPr>
+            <a:normAutofit/>
+          </a:bodyPr>
           <a:lstStyle/>
           <a:p>
             <a:r>
-              <a:rPr lang="en-US" dirty="0"/>
+              <a:rPr lang="en-US" sz="3400" dirty="0"/>
               <a:t>Questions.</a:t>
             </a:r>
           </a:p>
@@ -8031,7 +8033,7 @@
             </a:pPr>
             <a:r>
               <a:rPr lang="en-US" sz="2000" b="1" dirty="0"/>
-              <a:t>Note: The number of returned rows and their data types should be same</a:t>
+              <a:t>Note: The number of returned columns and their data types should be same</a:t>
             </a:r>
           </a:p>
           <a:p>
@@ -13392,7 +13394,7 @@
         <p:spPr>
           <a:xfrm>
             <a:off x="-12598" y="1939716"/>
-            <a:ext cx="4626161" cy="1200329"/>
+            <a:ext cx="4626161" cy="923330"/>
           </a:xfrm>
           <a:prstGeom prst="rect">
             <a:avLst/>
@@ -13428,16 +13430,6 @@
             <a:r>
               <a:rPr lang="en-US" dirty="0"/>
               <a:t>Table has columns and rows</a:t>
-            </a:r>
-          </a:p>
-          <a:p>
-            <a:pPr marL="285750" indent="-285750">
-              <a:buFont typeface="Arial" panose="020B0604020202020204" pitchFamily="34" charset="0"/>
-              <a:buChar char="•"/>
-            </a:pPr>
-            <a:r>
-              <a:rPr lang="en-US" dirty="0"/>
-              <a:t>Each row can be identified by a unique key</a:t>
             </a:r>
           </a:p>
         </p:txBody>
@@ -13761,7 +13753,7 @@
           <a:p>
             <a:r>
               <a:rPr lang="en-US" dirty="0"/>
-              <a:t>Various implementation for different RDBMS. (same concepts though)</a:t>
+              <a:t>Has various implementation for different RDBMS.(same concepts though)</a:t>
             </a:r>
           </a:p>
           <a:p>
